--- a/Thanh Ca 903/512 - Tình Yêu Bền Vững.pptx
+++ b/Thanh Ca 903/512 - Tình Yêu Bền Vững.pptx
@@ -110,6 +110,22 @@
       </a:defRPr>
     </a:lvl9pPr>
   </p:defaultTextStyle>
+  <p:extLst>
+    <p:ext uri="{EFAFB233-063F-42B5-8137-9DF3F51BA10A}">
+      <p15:sldGuideLst xmlns:p15="http://schemas.microsoft.com/office/powerpoint/2012/main">
+        <p15:guide id="1" orient="horz" pos="2160">
+          <p15:clr>
+            <a:srgbClr val="A4A3A4"/>
+          </p15:clr>
+        </p15:guide>
+        <p15:guide id="2" pos="2880">
+          <p15:clr>
+            <a:srgbClr val="A4A3A4"/>
+          </p15:clr>
+        </p15:guide>
+      </p15:sldGuideLst>
+    </p:ext>
+  </p:extLst>
 </p:presentation>
 </file>
 
@@ -151,10 +167,9 @@
           <a:lstStyle/>
           <a:p>
             <a:r>
-              <a:rPr lang="en-US" smtClean="0"/>
+              <a:rPr lang="en-US"/>
               <a:t>Click to edit Master title style</a:t>
             </a:r>
-            <a:endParaRPr lang="en-US"/>
           </a:p>
         </p:txBody>
       </p:sp>
@@ -270,10 +285,9 @@
           </a:lstStyle>
           <a:p>
             <a:r>
-              <a:rPr lang="en-US" smtClean="0"/>
+              <a:rPr lang="en-US"/>
               <a:t>Click to edit Master subtitle style</a:t>
             </a:r>
-            <a:endParaRPr lang="en-US"/>
           </a:p>
         </p:txBody>
       </p:sp>
@@ -301,7 +315,7 @@
                 </a:solidFill>
               </a:rPr>
               <a:pPr/>
-              <a:t>17/09/2012</a:t>
+              <a:t>7/28/19</a:t>
             </a:fld>
             <a:endParaRPr lang="en-US">
               <a:solidFill>
@@ -425,10 +439,9 @@
           <a:lstStyle/>
           <a:p>
             <a:r>
-              <a:rPr lang="en-US" smtClean="0"/>
+              <a:rPr lang="en-US"/>
               <a:t>Click to edit Master title style</a:t>
             </a:r>
-            <a:endParaRPr lang="en-US"/>
           </a:p>
         </p:txBody>
       </p:sp>
@@ -544,10 +557,9 @@
           </a:lstStyle>
           <a:p>
             <a:r>
-              <a:rPr lang="en-US" smtClean="0"/>
+              <a:rPr lang="en-US"/>
               <a:t>Click to edit Master subtitle style</a:t>
             </a:r>
-            <a:endParaRPr lang="en-US"/>
           </a:p>
         </p:txBody>
       </p:sp>
@@ -575,7 +587,7 @@
                 </a:solidFill>
               </a:rPr>
               <a:pPr/>
-              <a:t>17/09/2012</a:t>
+              <a:t>7/28/19</a:t>
             </a:fld>
             <a:endParaRPr lang="en-US">
               <a:solidFill>
@@ -699,10 +711,9 @@
           <a:lstStyle/>
           <a:p>
             <a:r>
-              <a:rPr lang="en-US" smtClean="0"/>
+              <a:rPr lang="en-US"/>
               <a:t>Click to edit Master title style</a:t>
             </a:r>
-            <a:endParaRPr lang="en-US"/>
           </a:p>
         </p:txBody>
       </p:sp>
@@ -818,10 +829,9 @@
           </a:lstStyle>
           <a:p>
             <a:r>
-              <a:rPr lang="en-US" smtClean="0"/>
+              <a:rPr lang="en-US"/>
               <a:t>Click to edit Master subtitle style</a:t>
             </a:r>
-            <a:endParaRPr lang="en-US"/>
           </a:p>
         </p:txBody>
       </p:sp>
@@ -849,7 +859,7 @@
                 </a:solidFill>
               </a:rPr>
               <a:pPr/>
-              <a:t>17/09/2012</a:t>
+              <a:t>7/28/19</a:t>
             </a:fld>
             <a:endParaRPr lang="en-US">
               <a:solidFill>
@@ -983,10 +993,9 @@
           <a:lstStyle/>
           <a:p>
             <a:r>
-              <a:rPr lang="en-US" smtClean="0"/>
+              <a:rPr lang="en-US"/>
               <a:t>Click to edit Master title style</a:t>
             </a:r>
-            <a:endParaRPr lang="en-US"/>
           </a:p>
         </p:txBody>
       </p:sp>
@@ -1017,38 +1026,37 @@
           <a:p>
             <a:pPr lvl="0"/>
             <a:r>
-              <a:rPr lang="en-US" smtClean="0"/>
+              <a:rPr lang="en-US"/>
               <a:t>Click to edit Master text styles</a:t>
             </a:r>
           </a:p>
           <a:p>
             <a:pPr lvl="1"/>
             <a:r>
-              <a:rPr lang="en-US" smtClean="0"/>
+              <a:rPr lang="en-US"/>
               <a:t>Second level</a:t>
             </a:r>
           </a:p>
           <a:p>
             <a:pPr lvl="2"/>
             <a:r>
-              <a:rPr lang="en-US" smtClean="0"/>
+              <a:rPr lang="en-US"/>
               <a:t>Third level</a:t>
             </a:r>
           </a:p>
           <a:p>
             <a:pPr lvl="3"/>
             <a:r>
-              <a:rPr lang="en-US" smtClean="0"/>
+              <a:rPr lang="en-US"/>
               <a:t>Fourth level</a:t>
             </a:r>
           </a:p>
           <a:p>
             <a:pPr lvl="4"/>
             <a:r>
-              <a:rPr lang="en-US" smtClean="0"/>
+              <a:rPr lang="en-US"/>
               <a:t>Fifth level</a:t>
             </a:r>
-            <a:endParaRPr lang="en-US"/>
           </a:p>
         </p:txBody>
       </p:sp>
@@ -1094,7 +1102,7 @@
                 </a:solidFill>
               </a:rPr>
               <a:pPr/>
-              <a:t>17/09/2012</a:t>
+              <a:t>7/28/19</a:t>
             </a:fld>
             <a:endParaRPr lang="en-US">
               <a:solidFill>
@@ -1624,10 +1632,9 @@
           <a:lstStyle/>
           <a:p>
             <a:r>
-              <a:rPr lang="en-US" smtClean="0"/>
+              <a:rPr lang="en-US"/>
               <a:t>Click to edit Master title style</a:t>
             </a:r>
-            <a:endParaRPr lang="en-US"/>
           </a:p>
         </p:txBody>
       </p:sp>
@@ -1658,38 +1665,37 @@
           <a:p>
             <a:pPr lvl="0"/>
             <a:r>
-              <a:rPr lang="en-US" smtClean="0"/>
+              <a:rPr lang="en-US"/>
               <a:t>Click to edit Master text styles</a:t>
             </a:r>
           </a:p>
           <a:p>
             <a:pPr lvl="1"/>
             <a:r>
-              <a:rPr lang="en-US" smtClean="0"/>
+              <a:rPr lang="en-US"/>
               <a:t>Second level</a:t>
             </a:r>
           </a:p>
           <a:p>
             <a:pPr lvl="2"/>
             <a:r>
-              <a:rPr lang="en-US" smtClean="0"/>
+              <a:rPr lang="en-US"/>
               <a:t>Third level</a:t>
             </a:r>
           </a:p>
           <a:p>
             <a:pPr lvl="3"/>
             <a:r>
-              <a:rPr lang="en-US" smtClean="0"/>
+              <a:rPr lang="en-US"/>
               <a:t>Fourth level</a:t>
             </a:r>
           </a:p>
           <a:p>
             <a:pPr lvl="4"/>
             <a:r>
-              <a:rPr lang="en-US" smtClean="0"/>
+              <a:rPr lang="en-US"/>
               <a:t>Fifth level</a:t>
             </a:r>
-            <a:endParaRPr lang="en-US"/>
           </a:p>
         </p:txBody>
       </p:sp>
@@ -1735,9 +1741,9 @@
                 </a:solidFill>
               </a:rPr>
               <a:pPr/>
-              <a:t>17/09/2012</a:t>
+              <a:t>7/28/19</a:t>
             </a:fld>
-            <a:endParaRPr lang="en-US" smtClean="0">
+            <a:endParaRPr lang="en-US">
               <a:solidFill>
                 <a:prstClr val="black">
                   <a:tint val="75000"/>
@@ -1780,7 +1786,7 @@
             </a:lvl1pPr>
           </a:lstStyle>
           <a:p>
-            <a:endParaRPr lang="en-US" smtClean="0">
+            <a:endParaRPr lang="en-US">
               <a:solidFill>
                 <a:prstClr val="black">
                   <a:tint val="75000"/>
@@ -1834,7 +1840,7 @@
               <a:pPr/>
               <a:t>‹#›</a:t>
             </a:fld>
-            <a:endParaRPr lang="en-US" smtClean="0">
+            <a:endParaRPr lang="en-US">
               <a:solidFill>
                 <a:prstClr val="black">
                   <a:tint val="75000"/>
@@ -2165,10 +2171,9 @@
           <a:lstStyle/>
           <a:p>
             <a:r>
-              <a:rPr lang="en-US" smtClean="0"/>
+              <a:rPr lang="en-US"/>
               <a:t>Click to edit Master title style</a:t>
             </a:r>
-            <a:endParaRPr lang="en-US"/>
           </a:p>
         </p:txBody>
       </p:sp>
@@ -2199,38 +2204,37 @@
           <a:p>
             <a:pPr lvl="0"/>
             <a:r>
-              <a:rPr lang="en-US" smtClean="0"/>
+              <a:rPr lang="en-US"/>
               <a:t>Click to edit Master text styles</a:t>
             </a:r>
           </a:p>
           <a:p>
             <a:pPr lvl="1"/>
             <a:r>
-              <a:rPr lang="en-US" smtClean="0"/>
+              <a:rPr lang="en-US"/>
               <a:t>Second level</a:t>
             </a:r>
           </a:p>
           <a:p>
             <a:pPr lvl="2"/>
             <a:r>
-              <a:rPr lang="en-US" smtClean="0"/>
+              <a:rPr lang="en-US"/>
               <a:t>Third level</a:t>
             </a:r>
           </a:p>
           <a:p>
             <a:pPr lvl="3"/>
             <a:r>
-              <a:rPr lang="en-US" smtClean="0"/>
+              <a:rPr lang="en-US"/>
               <a:t>Fourth level</a:t>
             </a:r>
           </a:p>
           <a:p>
             <a:pPr lvl="4"/>
             <a:r>
-              <a:rPr lang="en-US" smtClean="0"/>
+              <a:rPr lang="en-US"/>
               <a:t>Fifth level</a:t>
             </a:r>
-            <a:endParaRPr lang="en-US"/>
           </a:p>
         </p:txBody>
       </p:sp>
@@ -2276,9 +2280,9 @@
                 </a:solidFill>
               </a:rPr>
               <a:pPr/>
-              <a:t>17/09/2012</a:t>
+              <a:t>7/28/19</a:t>
             </a:fld>
-            <a:endParaRPr lang="en-US" smtClean="0">
+            <a:endParaRPr lang="en-US">
               <a:solidFill>
                 <a:prstClr val="black">
                   <a:tint val="75000"/>
@@ -2321,7 +2325,7 @@
             </a:lvl1pPr>
           </a:lstStyle>
           <a:p>
-            <a:endParaRPr lang="en-US" smtClean="0">
+            <a:endParaRPr lang="en-US">
               <a:solidFill>
                 <a:prstClr val="black">
                   <a:tint val="75000"/>
@@ -2375,7 +2379,7 @@
               <a:pPr/>
               <a:t>‹#›</a:t>
             </a:fld>
-            <a:endParaRPr lang="en-US" smtClean="0">
+            <a:endParaRPr lang="en-US">
               <a:solidFill>
                 <a:prstClr val="black">
                   <a:tint val="75000"/>
@@ -2690,7 +2694,7 @@
           <a:p>
             <a:pPr algn="ctr"/>
             <a:r>
-              <a:rPr lang="en-US" sz="3500" b="1" smtClean="0">
+              <a:rPr lang="en-US" sz="3500" b="1" dirty="0">
                 <a:solidFill>
                   <a:prstClr val="black"/>
                 </a:solidFill>
@@ -2699,21 +2703,10 @@
                     <a:schemeClr val="bg1"/>
                   </a:glow>
                 </a:effectLst>
-                <a:latin typeface="VNI-Eurasia" pitchFamily="2" charset="0"/>
+                <a:latin typeface="VNI-Times" pitchFamily="2" charset="0"/>
               </a:rPr>
               <a:t>TOÂN VINH CHUÙA – THAÙNH CA 512</a:t>
             </a:r>
-            <a:endParaRPr lang="en-US" sz="3500" b="1">
-              <a:solidFill>
-                <a:prstClr val="black"/>
-              </a:solidFill>
-              <a:effectLst>
-                <a:glow rad="101600">
-                  <a:schemeClr val="bg1"/>
-                </a:glow>
-              </a:effectLst>
-              <a:latin typeface="VNI-Eurasia" pitchFamily="2" charset="0"/>
-            </a:endParaRPr>
           </a:p>
         </p:txBody>
       </p:sp>
@@ -2725,8 +2718,8 @@
         </p:nvSpPr>
         <p:spPr>
           <a:xfrm>
-            <a:off x="2895600" y="2304632"/>
-            <a:ext cx="6096000" cy="2800767"/>
+            <a:off x="2209800" y="1600200"/>
+            <a:ext cx="6934200" cy="2800767"/>
           </a:xfrm>
           <a:prstGeom prst="rect">
             <a:avLst/>
@@ -2754,7 +2747,7 @@
           <a:p>
             <a:pPr algn="ctr"/>
             <a:r>
-              <a:rPr lang="en-US" sz="8800" b="1" smtClean="0">
+              <a:rPr lang="en-US" sz="8800" b="1" dirty="0">
                 <a:ln w="11430"/>
                 <a:solidFill>
                   <a:srgbClr val="C00000"/>
@@ -2769,27 +2762,10 @@
                     </a:srgbClr>
                   </a:outerShdw>
                 </a:effectLst>
-                <a:latin typeface="VNI-Garam" pitchFamily="34" charset="0"/>
+                <a:latin typeface="VNI-Times" pitchFamily="2" charset="0"/>
               </a:rPr>
               <a:t>TÌNH YEÂU BEÀN VÖÕNG</a:t>
             </a:r>
-            <a:endParaRPr lang="en-US" sz="8800" b="1">
-              <a:ln w="11430"/>
-              <a:solidFill>
-                <a:srgbClr val="C00000"/>
-              </a:solidFill>
-              <a:effectLst>
-                <a:glow rad="101600">
-                  <a:schemeClr val="bg1"/>
-                </a:glow>
-                <a:outerShdw blurRad="50800" dist="39000" dir="5460000" algn="tl">
-                  <a:srgbClr val="000000">
-                    <a:alpha val="38000"/>
-                  </a:srgbClr>
-                </a:outerShdw>
-              </a:effectLst>
-              <a:latin typeface="VNI-Garam" pitchFamily="34" charset="0"/>
-            </a:endParaRPr>
           </a:p>
         </p:txBody>
       </p:sp>
@@ -2815,13 +2791,6 @@
       </p:transition>
     </mc:Fallback>
   </mc:AlternateContent>
-  <p:timing>
-    <p:tnLst>
-      <p:par>
-        <p:cTn id="1" dur="indefinite" restart="never" nodeType="tmRoot"/>
-      </p:par>
-    </p:tnLst>
-  </p:timing>
 </p:sld>
 </file>
 
@@ -2866,160 +2835,339 @@
           <a:p>
             <a:pPr algn="ctr"/>
             <a:r>
-              <a:rPr lang="en-US" sz="6600" b="1">
-                <a:solidFill>
-                  <a:prstClr val="black"/>
-                </a:solidFill>
-                <a:effectLst>
-                  <a:glow rad="101600">
-                    <a:prstClr val="white">
-                      <a:alpha val="60000"/>
-                    </a:prstClr>
-                  </a:glow>
-                </a:effectLst>
-                <a:latin typeface="VNI-Aptima" pitchFamily="2" charset="0"/>
-              </a:rPr>
-              <a:t>Tình yeâu thöông </a:t>
-            </a:r>
-            <a:r>
-              <a:rPr lang="en-US" sz="6600" b="1" smtClean="0">
-                <a:solidFill>
-                  <a:prstClr val="black"/>
-                </a:solidFill>
-                <a:effectLst>
-                  <a:glow rad="101600">
-                    <a:prstClr val="white">
-                      <a:alpha val="60000"/>
-                    </a:prstClr>
-                  </a:glow>
-                </a:effectLst>
-                <a:latin typeface="VNI-Aptima" pitchFamily="2" charset="0"/>
-              </a:rPr>
-              <a:t/>
+              <a:rPr lang="en-US" sz="6600" b="1" dirty="0" err="1">
+                <a:solidFill>
+                  <a:prstClr val="black"/>
+                </a:solidFill>
+                <a:effectLst>
+                  <a:glow rad="101600">
+                    <a:prstClr val="white">
+                      <a:alpha val="60000"/>
+                    </a:prstClr>
+                  </a:glow>
+                </a:effectLst>
+                <a:latin typeface="VNI-Times" pitchFamily="2" charset="0"/>
+              </a:rPr>
+              <a:t>Tình</a:t>
+            </a:r>
+            <a:r>
+              <a:rPr lang="en-US" sz="6600" b="1" dirty="0">
+                <a:solidFill>
+                  <a:prstClr val="black"/>
+                </a:solidFill>
+                <a:effectLst>
+                  <a:glow rad="101600">
+                    <a:prstClr val="white">
+                      <a:alpha val="60000"/>
+                    </a:prstClr>
+                  </a:glow>
+                </a:effectLst>
+                <a:latin typeface="VNI-Times" pitchFamily="2" charset="0"/>
+              </a:rPr>
+              <a:t> </a:t>
+            </a:r>
+            <a:r>
+              <a:rPr lang="en-US" sz="6600" b="1" dirty="0" err="1">
+                <a:solidFill>
+                  <a:prstClr val="black"/>
+                </a:solidFill>
+                <a:effectLst>
+                  <a:glow rad="101600">
+                    <a:prstClr val="white">
+                      <a:alpha val="60000"/>
+                    </a:prstClr>
+                  </a:glow>
+                </a:effectLst>
+                <a:latin typeface="VNI-Times" pitchFamily="2" charset="0"/>
+              </a:rPr>
+              <a:t>yeâu</a:t>
+            </a:r>
+            <a:r>
+              <a:rPr lang="en-US" sz="6600" b="1" dirty="0">
+                <a:solidFill>
+                  <a:prstClr val="black"/>
+                </a:solidFill>
+                <a:effectLst>
+                  <a:glow rad="101600">
+                    <a:prstClr val="white">
+                      <a:alpha val="60000"/>
+                    </a:prstClr>
+                  </a:glow>
+                </a:effectLst>
+                <a:latin typeface="VNI-Times" pitchFamily="2" charset="0"/>
+              </a:rPr>
+              <a:t> </a:t>
+            </a:r>
+            <a:r>
+              <a:rPr lang="en-US" sz="6600" b="1" dirty="0" err="1">
+                <a:solidFill>
+                  <a:prstClr val="black"/>
+                </a:solidFill>
+                <a:effectLst>
+                  <a:glow rad="101600">
+                    <a:prstClr val="white">
+                      <a:alpha val="60000"/>
+                    </a:prstClr>
+                  </a:glow>
+                </a:effectLst>
+                <a:latin typeface="VNI-Times" pitchFamily="2" charset="0"/>
+              </a:rPr>
+              <a:t>thöông</a:t>
+            </a:r>
+            <a:r>
+              <a:rPr lang="en-US" sz="6600" b="1" dirty="0">
+                <a:solidFill>
+                  <a:prstClr val="black"/>
+                </a:solidFill>
+                <a:effectLst>
+                  <a:glow rad="101600">
+                    <a:prstClr val="white">
+                      <a:alpha val="60000"/>
+                    </a:prstClr>
+                  </a:glow>
+                </a:effectLst>
+                <a:latin typeface="VNI-Times" pitchFamily="2" charset="0"/>
+              </a:rPr>
+              <a:t> </a:t>
             </a:r>
             <a:br>
-              <a:rPr lang="en-US" sz="6600" b="1" smtClean="0">
-                <a:solidFill>
-                  <a:prstClr val="black"/>
-                </a:solidFill>
-                <a:effectLst>
-                  <a:glow rad="101600">
-                    <a:prstClr val="white">
-                      <a:alpha val="60000"/>
-                    </a:prstClr>
-                  </a:glow>
-                </a:effectLst>
-                <a:latin typeface="VNI-Aptima" pitchFamily="2" charset="0"/>
+              <a:rPr lang="en-US" sz="6600" b="1" dirty="0">
+                <a:solidFill>
+                  <a:prstClr val="black"/>
+                </a:solidFill>
+                <a:effectLst>
+                  <a:glow rad="101600">
+                    <a:prstClr val="white">
+                      <a:alpha val="60000"/>
+                    </a:prstClr>
+                  </a:glow>
+                </a:effectLst>
+                <a:latin typeface="VNI-Times" pitchFamily="2" charset="0"/>
               </a:rPr>
             </a:br>
             <a:r>
-              <a:rPr lang="en-US" sz="6600" b="1" smtClean="0">
-                <a:solidFill>
-                  <a:prstClr val="black"/>
-                </a:solidFill>
-                <a:effectLst>
-                  <a:glow rad="101600">
-                    <a:prstClr val="white">
-                      <a:alpha val="60000"/>
-                    </a:prstClr>
-                  </a:glow>
-                </a:effectLst>
-                <a:latin typeface="VNI-Aptima" pitchFamily="2" charset="0"/>
-              </a:rPr>
-              <a:t>Chuùa </a:t>
-            </a:r>
-            <a:r>
-              <a:rPr lang="en-US" sz="6600" b="1">
-                <a:solidFill>
-                  <a:prstClr val="black"/>
-                </a:solidFill>
-                <a:effectLst>
-                  <a:glow rad="101600">
-                    <a:prstClr val="white">
-                      <a:alpha val="60000"/>
-                    </a:prstClr>
-                  </a:glow>
-                </a:effectLst>
-                <a:latin typeface="VNI-Aptima" pitchFamily="2" charset="0"/>
-              </a:rPr>
-              <a:t>beàn vöõng maõi khoâng phai taøn.</a:t>
-            </a:r>
-            <a:endParaRPr lang="en-US" sz="6600" b="1" dirty="0">
-              <a:solidFill>
-                <a:prstClr val="black"/>
-              </a:solidFill>
-              <a:effectLst>
-                <a:glow rad="101600">
-                  <a:prstClr val="white">
-                    <a:alpha val="60000"/>
-                  </a:prstClr>
-                </a:glow>
-              </a:effectLst>
-              <a:latin typeface="VNI-Aptima" pitchFamily="2" charset="0"/>
-            </a:endParaRPr>
-          </a:p>
-        </p:txBody>
-      </p:sp>
-      <p:sp>
-        <p:nvSpPr>
-          <p:cNvPr id="6" name="Title 1"/>
-          <p:cNvSpPr txBox="1">
-            <a:spLocks/>
-          </p:cNvSpPr>
-          <p:nvPr/>
-        </p:nvSpPr>
-        <p:spPr>
-          <a:xfrm>
-            <a:off x="-228600" y="6019800"/>
-            <a:ext cx="6553200" cy="685800"/>
-          </a:xfrm>
-          <a:prstGeom prst="rect">
-            <a:avLst/>
-          </a:prstGeom>
-        </p:spPr>
-        <p:txBody>
-          <a:bodyPr vert="horz" lIns="91440" tIns="45720" rIns="91440" bIns="45720" rtlCol="0" anchor="ctr">
-            <a:noAutofit/>
-          </a:bodyPr>
-          <a:lstStyle/>
-          <a:p>
-            <a:pPr algn="ctr">
-              <a:spcBef>
-                <a:spcPct val="0"/>
-              </a:spcBef>
-              <a:defRPr/>
-            </a:pPr>
-            <a:r>
-              <a:rPr lang="en-US" sz="3500" b="1" smtClean="0">
-                <a:solidFill>
-                  <a:srgbClr val="C00000"/>
-                </a:solidFill>
-                <a:effectLst>
-                  <a:glow rad="101600">
-                    <a:prstClr val="white">
-                      <a:alpha val="60000"/>
-                    </a:prstClr>
-                  </a:glow>
-                </a:effectLst>
-                <a:latin typeface="VNI-Peignot" pitchFamily="2" charset="0"/>
-              </a:rPr>
-              <a:t>TC </a:t>
-            </a:r>
-            <a:r>
-              <a:rPr lang="en-US" sz="3500" b="1">
-                <a:solidFill>
-                  <a:srgbClr val="C00000"/>
-                </a:solidFill>
-                <a:effectLst>
-                  <a:glow rad="101600">
-                    <a:prstClr val="white">
-                      <a:alpha val="60000"/>
-                    </a:prstClr>
-                  </a:glow>
-                </a:effectLst>
-                <a:latin typeface="VNI-Peignot" pitchFamily="2" charset="0"/>
-              </a:rPr>
-              <a:t>512 - TÌNH YEÂU BEÀN VÖÕNG</a:t>
+              <a:rPr lang="en-US" sz="6600" b="1" dirty="0" err="1">
+                <a:solidFill>
+                  <a:prstClr val="black"/>
+                </a:solidFill>
+                <a:effectLst>
+                  <a:glow rad="101600">
+                    <a:prstClr val="white">
+                      <a:alpha val="60000"/>
+                    </a:prstClr>
+                  </a:glow>
+                </a:effectLst>
+                <a:latin typeface="VNI-Times" pitchFamily="2" charset="0"/>
+              </a:rPr>
+              <a:t>Chuùa</a:t>
+            </a:r>
+            <a:r>
+              <a:rPr lang="en-US" sz="6600" b="1" dirty="0">
+                <a:solidFill>
+                  <a:prstClr val="black"/>
+                </a:solidFill>
+                <a:effectLst>
+                  <a:glow rad="101600">
+                    <a:prstClr val="white">
+                      <a:alpha val="60000"/>
+                    </a:prstClr>
+                  </a:glow>
+                </a:effectLst>
+                <a:latin typeface="VNI-Times" pitchFamily="2" charset="0"/>
+              </a:rPr>
+              <a:t> </a:t>
+            </a:r>
+            <a:r>
+              <a:rPr lang="en-US" sz="6600" b="1" dirty="0" err="1">
+                <a:solidFill>
+                  <a:prstClr val="black"/>
+                </a:solidFill>
+                <a:effectLst>
+                  <a:glow rad="101600">
+                    <a:prstClr val="white">
+                      <a:alpha val="60000"/>
+                    </a:prstClr>
+                  </a:glow>
+                </a:effectLst>
+                <a:latin typeface="VNI-Times" pitchFamily="2" charset="0"/>
+              </a:rPr>
+              <a:t>beàn</a:t>
+            </a:r>
+            <a:r>
+              <a:rPr lang="en-US" sz="6600" b="1" dirty="0">
+                <a:solidFill>
+                  <a:prstClr val="black"/>
+                </a:solidFill>
+                <a:effectLst>
+                  <a:glow rad="101600">
+                    <a:prstClr val="white">
+                      <a:alpha val="60000"/>
+                    </a:prstClr>
+                  </a:glow>
+                </a:effectLst>
+                <a:latin typeface="VNI-Times" pitchFamily="2" charset="0"/>
+              </a:rPr>
+              <a:t> </a:t>
+            </a:r>
+            <a:r>
+              <a:rPr lang="en-US" sz="6600" b="1" dirty="0" err="1">
+                <a:solidFill>
+                  <a:prstClr val="black"/>
+                </a:solidFill>
+                <a:effectLst>
+                  <a:glow rad="101600">
+                    <a:prstClr val="white">
+                      <a:alpha val="60000"/>
+                    </a:prstClr>
+                  </a:glow>
+                </a:effectLst>
+                <a:latin typeface="VNI-Times" pitchFamily="2" charset="0"/>
+              </a:rPr>
+              <a:t>vöõng</a:t>
+            </a:r>
+            <a:r>
+              <a:rPr lang="en-US" sz="6600" b="1" dirty="0">
+                <a:solidFill>
+                  <a:prstClr val="black"/>
+                </a:solidFill>
+                <a:effectLst>
+                  <a:glow rad="101600">
+                    <a:prstClr val="white">
+                      <a:alpha val="60000"/>
+                    </a:prstClr>
+                  </a:glow>
+                </a:effectLst>
+                <a:latin typeface="VNI-Times" pitchFamily="2" charset="0"/>
+              </a:rPr>
+              <a:t> </a:t>
+            </a:r>
+            <a:r>
+              <a:rPr lang="en-US" sz="6600" b="1" dirty="0" err="1">
+                <a:solidFill>
+                  <a:prstClr val="black"/>
+                </a:solidFill>
+                <a:effectLst>
+                  <a:glow rad="101600">
+                    <a:prstClr val="white">
+                      <a:alpha val="60000"/>
+                    </a:prstClr>
+                  </a:glow>
+                </a:effectLst>
+                <a:latin typeface="VNI-Times" pitchFamily="2" charset="0"/>
+              </a:rPr>
+              <a:t>maõi</a:t>
+            </a:r>
+            <a:r>
+              <a:rPr lang="en-US" sz="6600" b="1" dirty="0">
+                <a:solidFill>
+                  <a:prstClr val="black"/>
+                </a:solidFill>
+                <a:effectLst>
+                  <a:glow rad="101600">
+                    <a:prstClr val="white">
+                      <a:alpha val="60000"/>
+                    </a:prstClr>
+                  </a:glow>
+                </a:effectLst>
+                <a:latin typeface="VNI-Times" pitchFamily="2" charset="0"/>
+              </a:rPr>
+              <a:t> </a:t>
+            </a:r>
+            <a:r>
+              <a:rPr lang="en-US" sz="6600" b="1" dirty="0" err="1">
+                <a:solidFill>
+                  <a:prstClr val="black"/>
+                </a:solidFill>
+                <a:effectLst>
+                  <a:glow rad="101600">
+                    <a:prstClr val="white">
+                      <a:alpha val="60000"/>
+                    </a:prstClr>
+                  </a:glow>
+                </a:effectLst>
+                <a:latin typeface="VNI-Times" pitchFamily="2" charset="0"/>
+              </a:rPr>
+              <a:t>khoâng</a:t>
+            </a:r>
+            <a:r>
+              <a:rPr lang="en-US" sz="6600" b="1" dirty="0">
+                <a:solidFill>
+                  <a:prstClr val="black"/>
+                </a:solidFill>
+                <a:effectLst>
+                  <a:glow rad="101600">
+                    <a:prstClr val="white">
+                      <a:alpha val="60000"/>
+                    </a:prstClr>
+                  </a:glow>
+                </a:effectLst>
+                <a:latin typeface="VNI-Times" pitchFamily="2" charset="0"/>
+              </a:rPr>
+              <a:t> </a:t>
+            </a:r>
+            <a:r>
+              <a:rPr lang="en-US" sz="6600" b="1" dirty="0" err="1">
+                <a:solidFill>
+                  <a:prstClr val="black"/>
+                </a:solidFill>
+                <a:effectLst>
+                  <a:glow rad="101600">
+                    <a:prstClr val="white">
+                      <a:alpha val="60000"/>
+                    </a:prstClr>
+                  </a:glow>
+                </a:effectLst>
+                <a:latin typeface="VNI-Times" pitchFamily="2" charset="0"/>
+              </a:rPr>
+              <a:t>phai</a:t>
+            </a:r>
+            <a:r>
+              <a:rPr lang="en-US" sz="6600" b="1" dirty="0">
+                <a:solidFill>
+                  <a:prstClr val="black"/>
+                </a:solidFill>
+                <a:effectLst>
+                  <a:glow rad="101600">
+                    <a:prstClr val="white">
+                      <a:alpha val="60000"/>
+                    </a:prstClr>
+                  </a:glow>
+                </a:effectLst>
+                <a:latin typeface="VNI-Times" pitchFamily="2" charset="0"/>
+              </a:rPr>
+              <a:t> </a:t>
+            </a:r>
+            <a:r>
+              <a:rPr lang="en-US" sz="6600" b="1" dirty="0" err="1">
+                <a:solidFill>
+                  <a:prstClr val="black"/>
+                </a:solidFill>
+                <a:effectLst>
+                  <a:glow rad="101600">
+                    <a:prstClr val="white">
+                      <a:alpha val="60000"/>
+                    </a:prstClr>
+                  </a:glow>
+                </a:effectLst>
+                <a:latin typeface="VNI-Times" pitchFamily="2" charset="0"/>
+              </a:rPr>
+              <a:t>taøn</a:t>
+            </a:r>
+            <a:r>
+              <a:rPr lang="en-US" sz="6600" b="1" dirty="0">
+                <a:solidFill>
+                  <a:prstClr val="black"/>
+                </a:solidFill>
+                <a:effectLst>
+                  <a:glow rad="101600">
+                    <a:prstClr val="white">
+                      <a:alpha val="60000"/>
+                    </a:prstClr>
+                  </a:glow>
+                </a:effectLst>
+                <a:latin typeface="VNI-Times" pitchFamily="2" charset="0"/>
+              </a:rPr>
+              <a:t>.</a:t>
             </a:r>
           </a:p>
         </p:txBody>
@@ -3046,13 +3194,6 @@
       </p:transition>
     </mc:Fallback>
   </mc:AlternateContent>
-  <p:timing>
-    <p:tnLst>
-      <p:par>
-        <p:cTn id="1" dur="indefinite" restart="never" nodeType="tmRoot"/>
-      </p:par>
-    </p:tnLst>
-  </p:timing>
 </p:sld>
 </file>
 
@@ -3097,210 +3238,322 @@
           <a:p>
             <a:pPr algn="ctr"/>
             <a:r>
-              <a:rPr lang="en-US" sz="6600" b="1">
-                <a:solidFill>
-                  <a:prstClr val="black"/>
-                </a:solidFill>
-                <a:effectLst>
-                  <a:glow rad="101600">
-                    <a:prstClr val="white">
-                      <a:alpha val="60000"/>
-                    </a:prstClr>
-                  </a:glow>
-                </a:effectLst>
-                <a:latin typeface="VNI-Aptima" pitchFamily="2" charset="0"/>
-              </a:rPr>
-              <a:t>Loøng thöông xoùt </a:t>
-            </a:r>
-            <a:r>
-              <a:rPr lang="en-US" sz="6600" b="1" smtClean="0">
-                <a:solidFill>
-                  <a:prstClr val="black"/>
-                </a:solidFill>
-                <a:effectLst>
-                  <a:glow rad="101600">
-                    <a:prstClr val="white">
-                      <a:alpha val="60000"/>
-                    </a:prstClr>
-                  </a:glow>
-                </a:effectLst>
-                <a:latin typeface="VNI-Aptima" pitchFamily="2" charset="0"/>
-              </a:rPr>
-              <a:t/>
+              <a:rPr lang="en-US" sz="6600" b="1" dirty="0" err="1">
+                <a:solidFill>
+                  <a:prstClr val="black"/>
+                </a:solidFill>
+                <a:effectLst>
+                  <a:glow rad="101600">
+                    <a:prstClr val="white">
+                      <a:alpha val="60000"/>
+                    </a:prstClr>
+                  </a:glow>
+                </a:effectLst>
+                <a:latin typeface="VNI-Times" pitchFamily="2" charset="0"/>
+              </a:rPr>
+              <a:t>Loøng</a:t>
+            </a:r>
+            <a:r>
+              <a:rPr lang="en-US" sz="6600" b="1" dirty="0">
+                <a:solidFill>
+                  <a:prstClr val="black"/>
+                </a:solidFill>
+                <a:effectLst>
+                  <a:glow rad="101600">
+                    <a:prstClr val="white">
+                      <a:alpha val="60000"/>
+                    </a:prstClr>
+                  </a:glow>
+                </a:effectLst>
+                <a:latin typeface="VNI-Times" pitchFamily="2" charset="0"/>
+              </a:rPr>
+              <a:t> </a:t>
+            </a:r>
+            <a:r>
+              <a:rPr lang="en-US" sz="6600" b="1" dirty="0" err="1">
+                <a:solidFill>
+                  <a:prstClr val="black"/>
+                </a:solidFill>
+                <a:effectLst>
+                  <a:glow rad="101600">
+                    <a:prstClr val="white">
+                      <a:alpha val="60000"/>
+                    </a:prstClr>
+                  </a:glow>
+                </a:effectLst>
+                <a:latin typeface="VNI-Times" pitchFamily="2" charset="0"/>
+              </a:rPr>
+              <a:t>thöông</a:t>
+            </a:r>
+            <a:r>
+              <a:rPr lang="en-US" sz="6600" b="1" dirty="0">
+                <a:solidFill>
+                  <a:prstClr val="black"/>
+                </a:solidFill>
+                <a:effectLst>
+                  <a:glow rad="101600">
+                    <a:prstClr val="white">
+                      <a:alpha val="60000"/>
+                    </a:prstClr>
+                  </a:glow>
+                </a:effectLst>
+                <a:latin typeface="VNI-Times" pitchFamily="2" charset="0"/>
+              </a:rPr>
+              <a:t> </a:t>
+            </a:r>
+            <a:r>
+              <a:rPr lang="en-US" sz="6600" b="1" dirty="0" err="1">
+                <a:solidFill>
+                  <a:prstClr val="black"/>
+                </a:solidFill>
+                <a:effectLst>
+                  <a:glow rad="101600">
+                    <a:prstClr val="white">
+                      <a:alpha val="60000"/>
+                    </a:prstClr>
+                  </a:glow>
+                </a:effectLst>
+                <a:latin typeface="VNI-Times" pitchFamily="2" charset="0"/>
+              </a:rPr>
+              <a:t>xoùt</a:t>
+            </a:r>
+            <a:r>
+              <a:rPr lang="en-US" sz="6600" b="1" dirty="0">
+                <a:solidFill>
+                  <a:prstClr val="black"/>
+                </a:solidFill>
+                <a:effectLst>
+                  <a:glow rad="101600">
+                    <a:prstClr val="white">
+                      <a:alpha val="60000"/>
+                    </a:prstClr>
+                  </a:glow>
+                </a:effectLst>
+                <a:latin typeface="VNI-Times" pitchFamily="2" charset="0"/>
+              </a:rPr>
+              <a:t> </a:t>
             </a:r>
             <a:br>
-              <a:rPr lang="en-US" sz="6600" b="1" smtClean="0">
-                <a:solidFill>
-                  <a:prstClr val="black"/>
-                </a:solidFill>
-                <a:effectLst>
-                  <a:glow rad="101600">
-                    <a:prstClr val="white">
-                      <a:alpha val="60000"/>
-                    </a:prstClr>
-                  </a:glow>
-                </a:effectLst>
-                <a:latin typeface="VNI-Aptima" pitchFamily="2" charset="0"/>
+              <a:rPr lang="en-US" sz="6600" b="1" dirty="0">
+                <a:solidFill>
+                  <a:prstClr val="black"/>
+                </a:solidFill>
+                <a:effectLst>
+                  <a:glow rad="101600">
+                    <a:prstClr val="white">
+                      <a:alpha val="60000"/>
+                    </a:prstClr>
+                  </a:glow>
+                </a:effectLst>
+                <a:latin typeface="VNI-Times" pitchFamily="2" charset="0"/>
               </a:rPr>
             </a:br>
             <a:r>
-              <a:rPr lang="en-US" sz="6600" b="1" smtClean="0">
-                <a:solidFill>
-                  <a:prstClr val="black"/>
-                </a:solidFill>
-                <a:effectLst>
-                  <a:glow rad="101600">
-                    <a:prstClr val="white">
-                      <a:alpha val="60000"/>
-                    </a:prstClr>
-                  </a:glow>
-                </a:effectLst>
-                <a:latin typeface="VNI-Aptima" pitchFamily="2" charset="0"/>
-              </a:rPr>
-              <a:t>Chuùa </a:t>
-            </a:r>
-            <a:r>
-              <a:rPr lang="en-US" sz="6600" b="1">
-                <a:solidFill>
-                  <a:prstClr val="black"/>
-                </a:solidFill>
-                <a:effectLst>
-                  <a:glow rad="101600">
-                    <a:prstClr val="white">
-                      <a:alpha val="60000"/>
-                    </a:prstClr>
-                  </a:glow>
-                </a:effectLst>
-                <a:latin typeface="VNI-Aptima" pitchFamily="2" charset="0"/>
-              </a:rPr>
-              <a:t>roäng lôùn </a:t>
-            </a:r>
-            <a:r>
-              <a:rPr lang="en-US" sz="6600" b="1" smtClean="0">
-                <a:solidFill>
-                  <a:prstClr val="black"/>
-                </a:solidFill>
-                <a:effectLst>
-                  <a:glow rad="101600">
-                    <a:prstClr val="white">
-                      <a:alpha val="60000"/>
-                    </a:prstClr>
-                  </a:glow>
-                </a:effectLst>
-                <a:latin typeface="VNI-Aptima" pitchFamily="2" charset="0"/>
-              </a:rPr>
-              <a:t/>
+              <a:rPr lang="en-US" sz="6600" b="1" dirty="0" err="1">
+                <a:solidFill>
+                  <a:prstClr val="black"/>
+                </a:solidFill>
+                <a:effectLst>
+                  <a:glow rad="101600">
+                    <a:prstClr val="white">
+                      <a:alpha val="60000"/>
+                    </a:prstClr>
+                  </a:glow>
+                </a:effectLst>
+                <a:latin typeface="VNI-Times" pitchFamily="2" charset="0"/>
+              </a:rPr>
+              <a:t>Chuùa</a:t>
+            </a:r>
+            <a:r>
+              <a:rPr lang="en-US" sz="6600" b="1" dirty="0">
+                <a:solidFill>
+                  <a:prstClr val="black"/>
+                </a:solidFill>
+                <a:effectLst>
+                  <a:glow rad="101600">
+                    <a:prstClr val="white">
+                      <a:alpha val="60000"/>
+                    </a:prstClr>
+                  </a:glow>
+                </a:effectLst>
+                <a:latin typeface="VNI-Times" pitchFamily="2" charset="0"/>
+              </a:rPr>
+              <a:t> </a:t>
+            </a:r>
+            <a:r>
+              <a:rPr lang="en-US" sz="6600" b="1" dirty="0" err="1">
+                <a:solidFill>
+                  <a:prstClr val="black"/>
+                </a:solidFill>
+                <a:effectLst>
+                  <a:glow rad="101600">
+                    <a:prstClr val="white">
+                      <a:alpha val="60000"/>
+                    </a:prstClr>
+                  </a:glow>
+                </a:effectLst>
+                <a:latin typeface="VNI-Times" pitchFamily="2" charset="0"/>
+              </a:rPr>
+              <a:t>roäng</a:t>
+            </a:r>
+            <a:r>
+              <a:rPr lang="en-US" sz="6600" b="1" dirty="0">
+                <a:solidFill>
+                  <a:prstClr val="black"/>
+                </a:solidFill>
+                <a:effectLst>
+                  <a:glow rad="101600">
+                    <a:prstClr val="white">
+                      <a:alpha val="60000"/>
+                    </a:prstClr>
+                  </a:glow>
+                </a:effectLst>
+                <a:latin typeface="VNI-Times" pitchFamily="2" charset="0"/>
+              </a:rPr>
+              <a:t> </a:t>
+            </a:r>
+            <a:r>
+              <a:rPr lang="en-US" sz="6600" b="1" dirty="0" err="1">
+                <a:solidFill>
+                  <a:prstClr val="black"/>
+                </a:solidFill>
+                <a:effectLst>
+                  <a:glow rad="101600">
+                    <a:prstClr val="white">
+                      <a:alpha val="60000"/>
+                    </a:prstClr>
+                  </a:glow>
+                </a:effectLst>
+                <a:latin typeface="VNI-Times" pitchFamily="2" charset="0"/>
+              </a:rPr>
+              <a:t>lôùn</a:t>
+            </a:r>
+            <a:r>
+              <a:rPr lang="en-US" sz="6600" b="1" dirty="0">
+                <a:solidFill>
+                  <a:prstClr val="black"/>
+                </a:solidFill>
+                <a:effectLst>
+                  <a:glow rad="101600">
+                    <a:prstClr val="white">
+                      <a:alpha val="60000"/>
+                    </a:prstClr>
+                  </a:glow>
+                </a:effectLst>
+                <a:latin typeface="VNI-Times" pitchFamily="2" charset="0"/>
+              </a:rPr>
+              <a:t> </a:t>
             </a:r>
             <a:br>
-              <a:rPr lang="en-US" sz="6600" b="1" smtClean="0">
-                <a:solidFill>
-                  <a:prstClr val="black"/>
-                </a:solidFill>
-                <a:effectLst>
-                  <a:glow rad="101600">
-                    <a:prstClr val="white">
-                      <a:alpha val="60000"/>
-                    </a:prstClr>
-                  </a:glow>
-                </a:effectLst>
-                <a:latin typeface="VNI-Aptima" pitchFamily="2" charset="0"/>
+              <a:rPr lang="en-US" sz="6600" b="1" dirty="0">
+                <a:solidFill>
+                  <a:prstClr val="black"/>
+                </a:solidFill>
+                <a:effectLst>
+                  <a:glow rad="101600">
+                    <a:prstClr val="white">
+                      <a:alpha val="60000"/>
+                    </a:prstClr>
+                  </a:glow>
+                </a:effectLst>
+                <a:latin typeface="VNI-Times" pitchFamily="2" charset="0"/>
               </a:rPr>
             </a:br>
             <a:r>
-              <a:rPr lang="en-US" sz="6600" b="1" smtClean="0">
-                <a:solidFill>
-                  <a:prstClr val="black"/>
-                </a:solidFill>
-                <a:effectLst>
-                  <a:glow rad="101600">
-                    <a:prstClr val="white">
-                      <a:alpha val="60000"/>
-                    </a:prstClr>
-                  </a:glow>
-                </a:effectLst>
-                <a:latin typeface="VNI-Aptima" pitchFamily="2" charset="0"/>
-              </a:rPr>
-              <a:t>chaúng </a:t>
-            </a:r>
-            <a:r>
-              <a:rPr lang="en-US" sz="6600" b="1">
-                <a:solidFill>
-                  <a:prstClr val="black"/>
-                </a:solidFill>
-                <a:effectLst>
-                  <a:glow rad="101600">
-                    <a:prstClr val="white">
-                      <a:alpha val="60000"/>
-                    </a:prstClr>
-                  </a:glow>
-                </a:effectLst>
-                <a:latin typeface="VNI-Aptima" pitchFamily="2" charset="0"/>
-              </a:rPr>
-              <a:t>ñoåi thay.</a:t>
-            </a:r>
-          </a:p>
-        </p:txBody>
-      </p:sp>
-      <p:sp>
-        <p:nvSpPr>
-          <p:cNvPr id="4" name="Title 1"/>
-          <p:cNvSpPr txBox="1">
-            <a:spLocks/>
-          </p:cNvSpPr>
-          <p:nvPr/>
-        </p:nvSpPr>
-        <p:spPr>
-          <a:xfrm>
-            <a:off x="-228600" y="6019800"/>
-            <a:ext cx="6553200" cy="685800"/>
-          </a:xfrm>
-          <a:prstGeom prst="rect">
-            <a:avLst/>
-          </a:prstGeom>
-        </p:spPr>
-        <p:txBody>
-          <a:bodyPr vert="horz" lIns="91440" tIns="45720" rIns="91440" bIns="45720" rtlCol="0" anchor="ctr">
-            <a:noAutofit/>
-          </a:bodyPr>
-          <a:lstStyle/>
-          <a:p>
-            <a:pPr algn="ctr">
-              <a:spcBef>
-                <a:spcPct val="0"/>
-              </a:spcBef>
-              <a:defRPr/>
-            </a:pPr>
-            <a:r>
-              <a:rPr lang="en-US" sz="3500" b="1" smtClean="0">
-                <a:solidFill>
-                  <a:srgbClr val="C00000"/>
-                </a:solidFill>
-                <a:effectLst>
-                  <a:glow rad="101600">
-                    <a:prstClr val="white">
-                      <a:alpha val="60000"/>
-                    </a:prstClr>
-                  </a:glow>
-                </a:effectLst>
-                <a:latin typeface="VNI-Peignot" pitchFamily="2" charset="0"/>
-              </a:rPr>
-              <a:t>TC </a:t>
-            </a:r>
-            <a:r>
-              <a:rPr lang="en-US" sz="3500" b="1">
-                <a:solidFill>
-                  <a:srgbClr val="C00000"/>
-                </a:solidFill>
-                <a:effectLst>
-                  <a:glow rad="101600">
-                    <a:prstClr val="white">
-                      <a:alpha val="60000"/>
-                    </a:prstClr>
-                  </a:glow>
-                </a:effectLst>
-                <a:latin typeface="VNI-Peignot" pitchFamily="2" charset="0"/>
-              </a:rPr>
-              <a:t>512 - TÌNH YEÂU BEÀN VÖÕNG</a:t>
+              <a:rPr lang="en-US" sz="6600" b="1" dirty="0" err="1">
+                <a:solidFill>
+                  <a:prstClr val="black"/>
+                </a:solidFill>
+                <a:effectLst>
+                  <a:glow rad="101600">
+                    <a:prstClr val="white">
+                      <a:alpha val="60000"/>
+                    </a:prstClr>
+                  </a:glow>
+                </a:effectLst>
+                <a:latin typeface="VNI-Times" pitchFamily="2" charset="0"/>
+              </a:rPr>
+              <a:t>chaúng</a:t>
+            </a:r>
+            <a:r>
+              <a:rPr lang="en-US" sz="6600" b="1" dirty="0">
+                <a:solidFill>
+                  <a:prstClr val="black"/>
+                </a:solidFill>
+                <a:effectLst>
+                  <a:glow rad="101600">
+                    <a:prstClr val="white">
+                      <a:alpha val="60000"/>
+                    </a:prstClr>
+                  </a:glow>
+                </a:effectLst>
+                <a:latin typeface="VNI-Times" pitchFamily="2" charset="0"/>
+              </a:rPr>
+              <a:t> </a:t>
+            </a:r>
+            <a:r>
+              <a:rPr lang="en-US" sz="6600" b="1" dirty="0" err="1">
+                <a:solidFill>
+                  <a:prstClr val="black"/>
+                </a:solidFill>
+                <a:effectLst>
+                  <a:glow rad="101600">
+                    <a:prstClr val="white">
+                      <a:alpha val="60000"/>
+                    </a:prstClr>
+                  </a:glow>
+                </a:effectLst>
+                <a:latin typeface="VNI-Times" pitchFamily="2" charset="0"/>
+              </a:rPr>
+              <a:t>ñoåi</a:t>
+            </a:r>
+            <a:r>
+              <a:rPr lang="en-US" sz="6600" b="1" dirty="0">
+                <a:solidFill>
+                  <a:prstClr val="black"/>
+                </a:solidFill>
+                <a:effectLst>
+                  <a:glow rad="101600">
+                    <a:prstClr val="white">
+                      <a:alpha val="60000"/>
+                    </a:prstClr>
+                  </a:glow>
+                </a:effectLst>
+                <a:latin typeface="VNI-Times" pitchFamily="2" charset="0"/>
+              </a:rPr>
+              <a:t> </a:t>
+            </a:r>
+            <a:r>
+              <a:rPr lang="en-US" sz="6600" b="1" dirty="0" err="1">
+                <a:solidFill>
+                  <a:prstClr val="black"/>
+                </a:solidFill>
+                <a:effectLst>
+                  <a:glow rad="101600">
+                    <a:prstClr val="white">
+                      <a:alpha val="60000"/>
+                    </a:prstClr>
+                  </a:glow>
+                </a:effectLst>
+                <a:latin typeface="VNI-Times" pitchFamily="2" charset="0"/>
+              </a:rPr>
+              <a:t>thay</a:t>
+            </a:r>
+            <a:r>
+              <a:rPr lang="en-US" sz="6600" b="1" dirty="0">
+                <a:solidFill>
+                  <a:prstClr val="black"/>
+                </a:solidFill>
+                <a:effectLst>
+                  <a:glow rad="101600">
+                    <a:prstClr val="white">
+                      <a:alpha val="60000"/>
+                    </a:prstClr>
+                  </a:glow>
+                </a:effectLst>
+                <a:latin typeface="VNI-Times" pitchFamily="2" charset="0"/>
+              </a:rPr>
+              <a:t>.</a:t>
             </a:r>
           </a:p>
         </p:txBody>
@@ -3315,21 +3568,6 @@
   <p:clrMapOvr>
     <a:masterClrMapping/>
   </p:clrMapOvr>
-  <mc:AlternateContent xmlns:mc="http://schemas.openxmlformats.org/markup-compatibility/2006" xmlns:p14="http://schemas.microsoft.com/office/powerpoint/2010/main">
-    <mc:Choice Requires="p14">
-      <p:transition p14:dur="0"/>
-    </mc:Choice>
-    <mc:Fallback xmlns="">
-      <p:transition/>
-    </mc:Fallback>
-  </mc:AlternateContent>
-  <p:timing>
-    <p:tnLst>
-      <p:par>
-        <p:cTn id="1" dur="indefinite" restart="never" nodeType="tmRoot"/>
-      </p:par>
-    </p:tnLst>
-  </p:timing>
 </p:sld>
 </file>
 
@@ -3374,210 +3612,386 @@
           <a:p>
             <a:pPr algn="ctr"/>
             <a:r>
-              <a:rPr lang="en-US" sz="6600" b="1">
-                <a:solidFill>
-                  <a:prstClr val="black"/>
-                </a:solidFill>
-                <a:effectLst>
-                  <a:glow rad="101600">
-                    <a:prstClr val="white">
-                      <a:alpha val="60000"/>
-                    </a:prstClr>
-                  </a:glow>
-                </a:effectLst>
-                <a:latin typeface="VNI-Aptima" pitchFamily="2" charset="0"/>
-              </a:rPr>
-              <a:t>Tình yeâu Chuùa ban </a:t>
-            </a:r>
-            <a:r>
-              <a:rPr lang="en-US" sz="6600" b="1" smtClean="0">
-                <a:solidFill>
-                  <a:prstClr val="black"/>
-                </a:solidFill>
-                <a:effectLst>
-                  <a:glow rad="101600">
-                    <a:prstClr val="white">
-                      <a:alpha val="60000"/>
-                    </a:prstClr>
-                  </a:glow>
-                </a:effectLst>
-                <a:latin typeface="VNI-Aptima" pitchFamily="2" charset="0"/>
-              </a:rPr>
-              <a:t/>
+              <a:rPr lang="en-US" sz="6600" b="1" dirty="0" err="1">
+                <a:solidFill>
+                  <a:prstClr val="black"/>
+                </a:solidFill>
+                <a:effectLst>
+                  <a:glow rad="101600">
+                    <a:prstClr val="white">
+                      <a:alpha val="60000"/>
+                    </a:prstClr>
+                  </a:glow>
+                </a:effectLst>
+                <a:latin typeface="VNI-Times" pitchFamily="2" charset="0"/>
+              </a:rPr>
+              <a:t>Tình</a:t>
+            </a:r>
+            <a:r>
+              <a:rPr lang="en-US" sz="6600" b="1" dirty="0">
+                <a:solidFill>
+                  <a:prstClr val="black"/>
+                </a:solidFill>
+                <a:effectLst>
+                  <a:glow rad="101600">
+                    <a:prstClr val="white">
+                      <a:alpha val="60000"/>
+                    </a:prstClr>
+                  </a:glow>
+                </a:effectLst>
+                <a:latin typeface="VNI-Times" pitchFamily="2" charset="0"/>
+              </a:rPr>
+              <a:t> </a:t>
+            </a:r>
+            <a:r>
+              <a:rPr lang="en-US" sz="6600" b="1" dirty="0" err="1">
+                <a:solidFill>
+                  <a:prstClr val="black"/>
+                </a:solidFill>
+                <a:effectLst>
+                  <a:glow rad="101600">
+                    <a:prstClr val="white">
+                      <a:alpha val="60000"/>
+                    </a:prstClr>
+                  </a:glow>
+                </a:effectLst>
+                <a:latin typeface="VNI-Times" pitchFamily="2" charset="0"/>
+              </a:rPr>
+              <a:t>yeâu</a:t>
+            </a:r>
+            <a:r>
+              <a:rPr lang="en-US" sz="6600" b="1" dirty="0">
+                <a:solidFill>
+                  <a:prstClr val="black"/>
+                </a:solidFill>
+                <a:effectLst>
+                  <a:glow rad="101600">
+                    <a:prstClr val="white">
+                      <a:alpha val="60000"/>
+                    </a:prstClr>
+                  </a:glow>
+                </a:effectLst>
+                <a:latin typeface="VNI-Times" pitchFamily="2" charset="0"/>
+              </a:rPr>
+              <a:t> </a:t>
+            </a:r>
+            <a:r>
+              <a:rPr lang="en-US" sz="6600" b="1" dirty="0" err="1">
+                <a:solidFill>
+                  <a:prstClr val="black"/>
+                </a:solidFill>
+                <a:effectLst>
+                  <a:glow rad="101600">
+                    <a:prstClr val="white">
+                      <a:alpha val="60000"/>
+                    </a:prstClr>
+                  </a:glow>
+                </a:effectLst>
+                <a:latin typeface="VNI-Times" pitchFamily="2" charset="0"/>
+              </a:rPr>
+              <a:t>Chuùa</a:t>
+            </a:r>
+            <a:r>
+              <a:rPr lang="en-US" sz="6600" b="1" dirty="0">
+                <a:solidFill>
+                  <a:prstClr val="black"/>
+                </a:solidFill>
+                <a:effectLst>
+                  <a:glow rad="101600">
+                    <a:prstClr val="white">
+                      <a:alpha val="60000"/>
+                    </a:prstClr>
+                  </a:glow>
+                </a:effectLst>
+                <a:latin typeface="VNI-Times" pitchFamily="2" charset="0"/>
+              </a:rPr>
+              <a:t> ban </a:t>
             </a:r>
             <a:br>
-              <a:rPr lang="en-US" sz="6600" b="1" smtClean="0">
-                <a:solidFill>
-                  <a:prstClr val="black"/>
-                </a:solidFill>
-                <a:effectLst>
-                  <a:glow rad="101600">
-                    <a:prstClr val="white">
-                      <a:alpha val="60000"/>
-                    </a:prstClr>
-                  </a:glow>
-                </a:effectLst>
-                <a:latin typeface="VNI-Aptima" pitchFamily="2" charset="0"/>
+              <a:rPr lang="en-US" sz="6600" b="1" dirty="0">
+                <a:solidFill>
+                  <a:prstClr val="black"/>
+                </a:solidFill>
+                <a:effectLst>
+                  <a:glow rad="101600">
+                    <a:prstClr val="white">
+                      <a:alpha val="60000"/>
+                    </a:prstClr>
+                  </a:glow>
+                </a:effectLst>
+                <a:latin typeface="VNI-Times" pitchFamily="2" charset="0"/>
               </a:rPr>
             </a:br>
             <a:r>
-              <a:rPr lang="en-US" sz="6600" b="1" smtClean="0">
-                <a:solidFill>
-                  <a:prstClr val="black"/>
-                </a:solidFill>
-                <a:effectLst>
-                  <a:glow rad="101600">
-                    <a:prstClr val="white">
-                      <a:alpha val="60000"/>
-                    </a:prstClr>
-                  </a:glow>
-                </a:effectLst>
-                <a:latin typeface="VNI-Aptima" pitchFamily="2" charset="0"/>
-              </a:rPr>
-              <a:t>cho </a:t>
-            </a:r>
-            <a:r>
-              <a:rPr lang="en-US" sz="6600" b="1">
-                <a:solidFill>
-                  <a:prstClr val="black"/>
-                </a:solidFill>
-                <a:effectLst>
-                  <a:glow rad="101600">
-                    <a:prstClr val="white">
-                      <a:alpha val="60000"/>
-                    </a:prstClr>
-                  </a:glow>
-                </a:effectLst>
-                <a:latin typeface="VNI-Aptima" pitchFamily="2" charset="0"/>
-              </a:rPr>
-              <a:t>moãi ngaøy, môùi </a:t>
-            </a:r>
-            <a:r>
-              <a:rPr lang="en-US" sz="6600" b="1" smtClean="0">
-                <a:solidFill>
-                  <a:prstClr val="black"/>
-                </a:solidFill>
-                <a:effectLst>
-                  <a:glow rad="101600">
-                    <a:prstClr val="white">
-                      <a:alpha val="60000"/>
-                    </a:prstClr>
-                  </a:glow>
-                </a:effectLst>
-                <a:latin typeface="VNI-Aptima" pitchFamily="2" charset="0"/>
-              </a:rPr>
-              <a:t/>
+              <a:rPr lang="en-US" sz="6600" b="1" dirty="0" err="1">
+                <a:solidFill>
+                  <a:prstClr val="black"/>
+                </a:solidFill>
+                <a:effectLst>
+                  <a:glow rad="101600">
+                    <a:prstClr val="white">
+                      <a:alpha val="60000"/>
+                    </a:prstClr>
+                  </a:glow>
+                </a:effectLst>
+                <a:latin typeface="VNI-Times" pitchFamily="2" charset="0"/>
+              </a:rPr>
+              <a:t>cho</a:t>
+            </a:r>
+            <a:r>
+              <a:rPr lang="en-US" sz="6600" b="1" dirty="0">
+                <a:solidFill>
+                  <a:prstClr val="black"/>
+                </a:solidFill>
+                <a:effectLst>
+                  <a:glow rad="101600">
+                    <a:prstClr val="white">
+                      <a:alpha val="60000"/>
+                    </a:prstClr>
+                  </a:glow>
+                </a:effectLst>
+                <a:latin typeface="VNI-Times" pitchFamily="2" charset="0"/>
+              </a:rPr>
+              <a:t> </a:t>
+            </a:r>
+            <a:r>
+              <a:rPr lang="en-US" sz="6600" b="1" dirty="0" err="1">
+                <a:solidFill>
+                  <a:prstClr val="black"/>
+                </a:solidFill>
+                <a:effectLst>
+                  <a:glow rad="101600">
+                    <a:prstClr val="white">
+                      <a:alpha val="60000"/>
+                    </a:prstClr>
+                  </a:glow>
+                </a:effectLst>
+                <a:latin typeface="VNI-Times" pitchFamily="2" charset="0"/>
+              </a:rPr>
+              <a:t>moãi</a:t>
+            </a:r>
+            <a:r>
+              <a:rPr lang="en-US" sz="6600" b="1" dirty="0">
+                <a:solidFill>
+                  <a:prstClr val="black"/>
+                </a:solidFill>
+                <a:effectLst>
+                  <a:glow rad="101600">
+                    <a:prstClr val="white">
+                      <a:alpha val="60000"/>
+                    </a:prstClr>
+                  </a:glow>
+                </a:effectLst>
+                <a:latin typeface="VNI-Times" pitchFamily="2" charset="0"/>
+              </a:rPr>
+              <a:t> </a:t>
+            </a:r>
+            <a:r>
+              <a:rPr lang="en-US" sz="6600" b="1" dirty="0" err="1">
+                <a:solidFill>
+                  <a:prstClr val="black"/>
+                </a:solidFill>
+                <a:effectLst>
+                  <a:glow rad="101600">
+                    <a:prstClr val="white">
+                      <a:alpha val="60000"/>
+                    </a:prstClr>
+                  </a:glow>
+                </a:effectLst>
+                <a:latin typeface="VNI-Times" pitchFamily="2" charset="0"/>
+              </a:rPr>
+              <a:t>ngaøy</a:t>
+            </a:r>
+            <a:r>
+              <a:rPr lang="en-US" sz="6600" b="1" dirty="0">
+                <a:solidFill>
+                  <a:prstClr val="black"/>
+                </a:solidFill>
+                <a:effectLst>
+                  <a:glow rad="101600">
+                    <a:prstClr val="white">
+                      <a:alpha val="60000"/>
+                    </a:prstClr>
+                  </a:glow>
+                </a:effectLst>
+                <a:latin typeface="VNI-Times" pitchFamily="2" charset="0"/>
+              </a:rPr>
+              <a:t>, </a:t>
+            </a:r>
+            <a:r>
+              <a:rPr lang="en-US" sz="6600" b="1" dirty="0" err="1">
+                <a:solidFill>
+                  <a:prstClr val="black"/>
+                </a:solidFill>
+                <a:effectLst>
+                  <a:glow rad="101600">
+                    <a:prstClr val="white">
+                      <a:alpha val="60000"/>
+                    </a:prstClr>
+                  </a:glow>
+                </a:effectLst>
+                <a:latin typeface="VNI-Times" pitchFamily="2" charset="0"/>
+              </a:rPr>
+              <a:t>môùi</a:t>
+            </a:r>
+            <a:r>
+              <a:rPr lang="en-US" sz="6600" b="1" dirty="0">
+                <a:solidFill>
+                  <a:prstClr val="black"/>
+                </a:solidFill>
+                <a:effectLst>
+                  <a:glow rad="101600">
+                    <a:prstClr val="white">
+                      <a:alpha val="60000"/>
+                    </a:prstClr>
+                  </a:glow>
+                </a:effectLst>
+                <a:latin typeface="VNI-Times" pitchFamily="2" charset="0"/>
+              </a:rPr>
+              <a:t> </a:t>
             </a:r>
             <a:br>
-              <a:rPr lang="en-US" sz="6600" b="1" smtClean="0">
-                <a:solidFill>
-                  <a:prstClr val="black"/>
-                </a:solidFill>
-                <a:effectLst>
-                  <a:glow rad="101600">
-                    <a:prstClr val="white">
-                      <a:alpha val="60000"/>
-                    </a:prstClr>
-                  </a:glow>
-                </a:effectLst>
-                <a:latin typeface="VNI-Aptima" pitchFamily="2" charset="0"/>
+              <a:rPr lang="en-US" sz="6600" b="1" dirty="0">
+                <a:solidFill>
+                  <a:prstClr val="black"/>
+                </a:solidFill>
+                <a:effectLst>
+                  <a:glow rad="101600">
+                    <a:prstClr val="white">
+                      <a:alpha val="60000"/>
+                    </a:prstClr>
+                  </a:glow>
+                </a:effectLst>
+                <a:latin typeface="VNI-Times" pitchFamily="2" charset="0"/>
               </a:rPr>
             </a:br>
             <a:r>
-              <a:rPr lang="en-US" sz="6600" b="1" smtClean="0">
-                <a:solidFill>
-                  <a:prstClr val="black"/>
-                </a:solidFill>
-                <a:effectLst>
-                  <a:glow rad="101600">
-                    <a:prstClr val="white">
-                      <a:alpha val="60000"/>
-                    </a:prstClr>
-                  </a:glow>
-                </a:effectLst>
-                <a:latin typeface="VNI-Aptima" pitchFamily="2" charset="0"/>
-              </a:rPr>
-              <a:t>vôùi </a:t>
-            </a:r>
-            <a:r>
-              <a:rPr lang="en-US" sz="6600" b="1">
-                <a:solidFill>
-                  <a:prstClr val="black"/>
-                </a:solidFill>
-                <a:effectLst>
-                  <a:glow rad="101600">
-                    <a:prstClr val="white">
-                      <a:alpha val="60000"/>
-                    </a:prstClr>
-                  </a:glow>
-                </a:effectLst>
-                <a:latin typeface="VNI-Aptima" pitchFamily="2" charset="0"/>
-              </a:rPr>
-              <a:t>toâi moãi ngaøy. </a:t>
-            </a:r>
-          </a:p>
-        </p:txBody>
-      </p:sp>
-      <p:sp>
-        <p:nvSpPr>
-          <p:cNvPr id="4" name="Title 1"/>
-          <p:cNvSpPr txBox="1">
-            <a:spLocks/>
-          </p:cNvSpPr>
-          <p:nvPr/>
-        </p:nvSpPr>
-        <p:spPr>
-          <a:xfrm>
-            <a:off x="-228600" y="6019800"/>
-            <a:ext cx="6553200" cy="685800"/>
-          </a:xfrm>
-          <a:prstGeom prst="rect">
-            <a:avLst/>
-          </a:prstGeom>
-        </p:spPr>
-        <p:txBody>
-          <a:bodyPr vert="horz" lIns="91440" tIns="45720" rIns="91440" bIns="45720" rtlCol="0" anchor="ctr">
-            <a:noAutofit/>
-          </a:bodyPr>
-          <a:lstStyle/>
-          <a:p>
-            <a:pPr algn="ctr">
-              <a:spcBef>
-                <a:spcPct val="0"/>
-              </a:spcBef>
-              <a:defRPr/>
-            </a:pPr>
-            <a:r>
-              <a:rPr lang="en-US" sz="3500" b="1" smtClean="0">
-                <a:solidFill>
-                  <a:srgbClr val="C00000"/>
-                </a:solidFill>
-                <a:effectLst>
-                  <a:glow rad="101600">
-                    <a:prstClr val="white">
-                      <a:alpha val="60000"/>
-                    </a:prstClr>
-                  </a:glow>
-                </a:effectLst>
-                <a:latin typeface="VNI-Peignot" pitchFamily="2" charset="0"/>
-              </a:rPr>
-              <a:t>TC </a:t>
-            </a:r>
-            <a:r>
-              <a:rPr lang="en-US" sz="3500" b="1">
-                <a:solidFill>
-                  <a:srgbClr val="C00000"/>
-                </a:solidFill>
-                <a:effectLst>
-                  <a:glow rad="101600">
-                    <a:prstClr val="white">
-                      <a:alpha val="60000"/>
-                    </a:prstClr>
-                  </a:glow>
-                </a:effectLst>
-                <a:latin typeface="VNI-Peignot" pitchFamily="2" charset="0"/>
-              </a:rPr>
-              <a:t>512 - TÌNH YEÂU BEÀN VÖÕNG</a:t>
+              <a:rPr lang="en-US" sz="6600" b="1" dirty="0" err="1">
+                <a:solidFill>
+                  <a:prstClr val="black"/>
+                </a:solidFill>
+                <a:effectLst>
+                  <a:glow rad="101600">
+                    <a:prstClr val="white">
+                      <a:alpha val="60000"/>
+                    </a:prstClr>
+                  </a:glow>
+                </a:effectLst>
+                <a:latin typeface="VNI-Times" pitchFamily="2" charset="0"/>
+              </a:rPr>
+              <a:t>vôùi</a:t>
+            </a:r>
+            <a:r>
+              <a:rPr lang="en-US" sz="6600" b="1" dirty="0">
+                <a:solidFill>
+                  <a:prstClr val="black"/>
+                </a:solidFill>
+                <a:effectLst>
+                  <a:glow rad="101600">
+                    <a:prstClr val="white">
+                      <a:alpha val="60000"/>
+                    </a:prstClr>
+                  </a:glow>
+                </a:effectLst>
+                <a:latin typeface="VNI-Times" pitchFamily="2" charset="0"/>
+              </a:rPr>
+              <a:t> </a:t>
+            </a:r>
+            <a:r>
+              <a:rPr lang="en-US" sz="6600" b="1" dirty="0" err="1">
+                <a:solidFill>
+                  <a:prstClr val="black"/>
+                </a:solidFill>
+                <a:effectLst>
+                  <a:glow rad="101600">
+                    <a:prstClr val="white">
+                      <a:alpha val="60000"/>
+                    </a:prstClr>
+                  </a:glow>
+                </a:effectLst>
+                <a:latin typeface="VNI-Times" pitchFamily="2" charset="0"/>
+              </a:rPr>
+              <a:t>toâi</a:t>
+            </a:r>
+            <a:r>
+              <a:rPr lang="en-US" sz="6600" b="1" dirty="0">
+                <a:solidFill>
+                  <a:prstClr val="black"/>
+                </a:solidFill>
+                <a:effectLst>
+                  <a:glow rad="101600">
+                    <a:prstClr val="white">
+                      <a:alpha val="60000"/>
+                    </a:prstClr>
+                  </a:glow>
+                </a:effectLst>
+                <a:latin typeface="VNI-Times" pitchFamily="2" charset="0"/>
+              </a:rPr>
+              <a:t> </a:t>
+            </a:r>
+            <a:r>
+              <a:rPr lang="en-US" sz="6600" b="1" dirty="0" err="1">
+                <a:solidFill>
+                  <a:prstClr val="black"/>
+                </a:solidFill>
+                <a:effectLst>
+                  <a:glow rad="101600">
+                    <a:prstClr val="white">
+                      <a:alpha val="60000"/>
+                    </a:prstClr>
+                  </a:glow>
+                </a:effectLst>
+                <a:latin typeface="VNI-Times" pitchFamily="2" charset="0"/>
+              </a:rPr>
+              <a:t>moãi</a:t>
+            </a:r>
+            <a:r>
+              <a:rPr lang="en-US" sz="6600" b="1" dirty="0">
+                <a:solidFill>
+                  <a:prstClr val="black"/>
+                </a:solidFill>
+                <a:effectLst>
+                  <a:glow rad="101600">
+                    <a:prstClr val="white">
+                      <a:alpha val="60000"/>
+                    </a:prstClr>
+                  </a:glow>
+                </a:effectLst>
+                <a:latin typeface="VNI-Times" pitchFamily="2" charset="0"/>
+              </a:rPr>
+              <a:t> </a:t>
+            </a:r>
+            <a:r>
+              <a:rPr lang="en-US" sz="6600" b="1" dirty="0" err="1">
+                <a:solidFill>
+                  <a:prstClr val="black"/>
+                </a:solidFill>
+                <a:effectLst>
+                  <a:glow rad="101600">
+                    <a:prstClr val="white">
+                      <a:alpha val="60000"/>
+                    </a:prstClr>
+                  </a:glow>
+                </a:effectLst>
+                <a:latin typeface="VNI-Times" pitchFamily="2" charset="0"/>
+              </a:rPr>
+              <a:t>ngaøy</a:t>
+            </a:r>
+            <a:r>
+              <a:rPr lang="en-US" sz="6600" b="1" dirty="0">
+                <a:solidFill>
+                  <a:prstClr val="black"/>
+                </a:solidFill>
+                <a:effectLst>
+                  <a:glow rad="101600">
+                    <a:prstClr val="white">
+                      <a:alpha val="60000"/>
+                    </a:prstClr>
+                  </a:glow>
+                </a:effectLst>
+                <a:latin typeface="VNI-Times" pitchFamily="2" charset="0"/>
+              </a:rPr>
+              <a:t>. </a:t>
             </a:r>
           </a:p>
         </p:txBody>
@@ -3592,21 +4006,6 @@
   <p:clrMapOvr>
     <a:masterClrMapping/>
   </p:clrMapOvr>
-  <mc:AlternateContent xmlns:mc="http://schemas.openxmlformats.org/markup-compatibility/2006" xmlns:p14="http://schemas.microsoft.com/office/powerpoint/2010/main">
-    <mc:Choice Requires="p14">
-      <p:transition p14:dur="0"/>
-    </mc:Choice>
-    <mc:Fallback xmlns="">
-      <p:transition/>
-    </mc:Fallback>
-  </mc:AlternateContent>
-  <p:timing>
-    <p:tnLst>
-      <p:par>
-        <p:cTn id="1" dur="indefinite" restart="never" nodeType="tmRoot"/>
-      </p:par>
-    </p:tnLst>
-  </p:timing>
 </p:sld>
 </file>
 
@@ -3651,287 +4050,453 @@
           <a:p>
             <a:pPr algn="ctr"/>
             <a:r>
-              <a:rPr lang="en-US" sz="6600" b="1">
-                <a:solidFill>
-                  <a:prstClr val="black"/>
-                </a:solidFill>
-                <a:effectLst>
-                  <a:glow rad="101600">
-                    <a:prstClr val="white">
-                      <a:alpha val="60000"/>
-                    </a:prstClr>
-                  </a:glow>
-                </a:effectLst>
-                <a:latin typeface="VNI-Aptima" pitchFamily="2" charset="0"/>
-              </a:rPr>
-              <a:t>Lôùn </a:t>
-            </a:r>
-            <a:r>
-              <a:rPr lang="en-US" sz="6600" b="1" smtClean="0">
-                <a:solidFill>
-                  <a:prstClr val="black"/>
-                </a:solidFill>
-                <a:effectLst>
-                  <a:glow rad="101600">
-                    <a:prstClr val="white">
-                      <a:alpha val="60000"/>
-                    </a:prstClr>
-                  </a:glow>
-                </a:effectLst>
-                <a:latin typeface="VNI-Aptima" pitchFamily="2" charset="0"/>
-              </a:rPr>
-              <a:t>thay, saâu </a:t>
-            </a:r>
-            <a:r>
-              <a:rPr lang="en-US" sz="6600" b="1">
-                <a:solidFill>
-                  <a:prstClr val="black"/>
-                </a:solidFill>
-                <a:effectLst>
-                  <a:glow rad="101600">
-                    <a:prstClr val="white">
-                      <a:alpha val="60000"/>
-                    </a:prstClr>
-                  </a:glow>
-                </a:effectLst>
-                <a:latin typeface="VNI-Aptima" pitchFamily="2" charset="0"/>
+              <a:rPr lang="en-US" sz="6600" b="1" dirty="0" err="1">
+                <a:solidFill>
+                  <a:prstClr val="black"/>
+                </a:solidFill>
+                <a:effectLst>
+                  <a:glow rad="101600">
+                    <a:prstClr val="white">
+                      <a:alpha val="60000"/>
+                    </a:prstClr>
+                  </a:glow>
+                </a:effectLst>
+                <a:latin typeface="VNI-Times" pitchFamily="2" charset="0"/>
+              </a:rPr>
+              <a:t>Lôùn</a:t>
+            </a:r>
+            <a:r>
+              <a:rPr lang="en-US" sz="6600" b="1" dirty="0">
+                <a:solidFill>
+                  <a:prstClr val="black"/>
+                </a:solidFill>
+                <a:effectLst>
+                  <a:glow rad="101600">
+                    <a:prstClr val="white">
+                      <a:alpha val="60000"/>
+                    </a:prstClr>
+                  </a:glow>
+                </a:effectLst>
+                <a:latin typeface="VNI-Times" pitchFamily="2" charset="0"/>
+              </a:rPr>
+              <a:t> </a:t>
+            </a:r>
+            <a:r>
+              <a:rPr lang="en-US" sz="6600" b="1" dirty="0" err="1">
+                <a:solidFill>
+                  <a:prstClr val="black"/>
+                </a:solidFill>
+                <a:effectLst>
+                  <a:glow rad="101600">
+                    <a:prstClr val="white">
+                      <a:alpha val="60000"/>
+                    </a:prstClr>
+                  </a:glow>
+                </a:effectLst>
+                <a:latin typeface="VNI-Times" pitchFamily="2" charset="0"/>
               </a:rPr>
               <a:t>thay</a:t>
             </a:r>
             <a:r>
-              <a:rPr lang="en-US" sz="6600" b="1" smtClean="0">
-                <a:solidFill>
-                  <a:prstClr val="black"/>
-                </a:solidFill>
-                <a:effectLst>
-                  <a:glow rad="101600">
-                    <a:prstClr val="white">
-                      <a:alpha val="60000"/>
-                    </a:prstClr>
-                  </a:glow>
-                </a:effectLst>
-                <a:latin typeface="VNI-Aptima" pitchFamily="2" charset="0"/>
+              <a:rPr lang="en-US" sz="6600" b="1" dirty="0">
+                <a:solidFill>
+                  <a:prstClr val="black"/>
+                </a:solidFill>
+                <a:effectLst>
+                  <a:glow rad="101600">
+                    <a:prstClr val="white">
+                      <a:alpha val="60000"/>
+                    </a:prstClr>
+                  </a:glow>
+                </a:effectLst>
+                <a:latin typeface="VNI-Times" pitchFamily="2" charset="0"/>
               </a:rPr>
               <a:t>, </a:t>
             </a:r>
+            <a:r>
+              <a:rPr lang="en-US" sz="6600" b="1" dirty="0" err="1">
+                <a:solidFill>
+                  <a:prstClr val="black"/>
+                </a:solidFill>
+                <a:effectLst>
+                  <a:glow rad="101600">
+                    <a:prstClr val="white">
+                      <a:alpha val="60000"/>
+                    </a:prstClr>
+                  </a:glow>
+                </a:effectLst>
+                <a:latin typeface="VNI-Times" pitchFamily="2" charset="0"/>
+              </a:rPr>
+              <a:t>saâu</a:t>
+            </a:r>
+            <a:r>
+              <a:rPr lang="en-US" sz="6600" b="1" dirty="0">
+                <a:solidFill>
+                  <a:prstClr val="black"/>
+                </a:solidFill>
+                <a:effectLst>
+                  <a:glow rad="101600">
+                    <a:prstClr val="white">
+                      <a:alpha val="60000"/>
+                    </a:prstClr>
+                  </a:glow>
+                </a:effectLst>
+                <a:latin typeface="VNI-Times" pitchFamily="2" charset="0"/>
+              </a:rPr>
+              <a:t> </a:t>
+            </a:r>
+            <a:r>
+              <a:rPr lang="en-US" sz="6600" b="1" dirty="0" err="1">
+                <a:solidFill>
+                  <a:prstClr val="black"/>
+                </a:solidFill>
+                <a:effectLst>
+                  <a:glow rad="101600">
+                    <a:prstClr val="white">
+                      <a:alpha val="60000"/>
+                    </a:prstClr>
+                  </a:glow>
+                </a:effectLst>
+                <a:latin typeface="VNI-Times" pitchFamily="2" charset="0"/>
+              </a:rPr>
+              <a:t>thay</a:t>
+            </a:r>
+            <a:r>
+              <a:rPr lang="en-US" sz="6600" b="1" dirty="0">
+                <a:solidFill>
+                  <a:prstClr val="black"/>
+                </a:solidFill>
+                <a:effectLst>
+                  <a:glow rad="101600">
+                    <a:prstClr val="white">
+                      <a:alpha val="60000"/>
+                    </a:prstClr>
+                  </a:glow>
+                </a:effectLst>
+                <a:latin typeface="VNI-Times" pitchFamily="2" charset="0"/>
+              </a:rPr>
+              <a:t>, </a:t>
+            </a:r>
             <a:br>
-              <a:rPr lang="en-US" sz="6600" b="1" smtClean="0">
-                <a:solidFill>
-                  <a:prstClr val="black"/>
-                </a:solidFill>
-                <a:effectLst>
-                  <a:glow rad="101600">
-                    <a:prstClr val="white">
-                      <a:alpha val="60000"/>
-                    </a:prstClr>
-                  </a:glow>
-                </a:effectLst>
-                <a:latin typeface="VNI-Aptima" pitchFamily="2" charset="0"/>
+              <a:rPr lang="en-US" sz="6600" b="1" dirty="0">
+                <a:solidFill>
+                  <a:prstClr val="black"/>
+                </a:solidFill>
+                <a:effectLst>
+                  <a:glow rad="101600">
+                    <a:prstClr val="white">
+                      <a:alpha val="60000"/>
+                    </a:prstClr>
+                  </a:glow>
+                </a:effectLst>
+                <a:latin typeface="VNI-Times" pitchFamily="2" charset="0"/>
               </a:rPr>
             </a:br>
             <a:r>
-              <a:rPr lang="en-US" sz="6600" b="1" smtClean="0">
-                <a:solidFill>
-                  <a:prstClr val="black"/>
-                </a:solidFill>
-                <a:effectLst>
-                  <a:glow rad="101600">
-                    <a:prstClr val="white">
-                      <a:alpha val="60000"/>
-                    </a:prstClr>
-                  </a:glow>
-                </a:effectLst>
-                <a:latin typeface="VNI-Aptima" pitchFamily="2" charset="0"/>
-              </a:rPr>
-              <a:t>roäng </a:t>
-            </a:r>
-            <a:r>
-              <a:rPr lang="en-US" sz="6600" b="1">
-                <a:solidFill>
-                  <a:prstClr val="black"/>
-                </a:solidFill>
-                <a:effectLst>
-                  <a:glow rad="101600">
-                    <a:prstClr val="white">
-                      <a:alpha val="60000"/>
-                    </a:prstClr>
-                  </a:glow>
-                </a:effectLst>
-                <a:latin typeface="VNI-Aptima" pitchFamily="2" charset="0"/>
-              </a:rPr>
-              <a:t>thay </a:t>
-            </a:r>
-            <a:r>
-              <a:rPr lang="en-US" sz="6600" b="1" smtClean="0">
-                <a:solidFill>
-                  <a:prstClr val="black"/>
-                </a:solidFill>
-                <a:effectLst>
-                  <a:glow rad="101600">
-                    <a:prstClr val="white">
-                      <a:alpha val="60000"/>
-                    </a:prstClr>
-                  </a:glow>
-                </a:effectLst>
-                <a:latin typeface="VNI-Aptima" pitchFamily="2" charset="0"/>
-              </a:rPr>
-              <a:t>tình yeâu,</a:t>
-            </a:r>
-            <a:endParaRPr lang="en-US" sz="6600" b="1">
-              <a:solidFill>
-                <a:prstClr val="black"/>
-              </a:solidFill>
-              <a:effectLst>
-                <a:glow rad="101600">
-                  <a:prstClr val="white">
-                    <a:alpha val="60000"/>
-                  </a:prstClr>
-                </a:glow>
-              </a:effectLst>
-              <a:latin typeface="VNI-Aptima" pitchFamily="2" charset="0"/>
-            </a:endParaRPr>
+              <a:rPr lang="en-US" sz="6600" b="1" dirty="0" err="1">
+                <a:solidFill>
+                  <a:prstClr val="black"/>
+                </a:solidFill>
+                <a:effectLst>
+                  <a:glow rad="101600">
+                    <a:prstClr val="white">
+                      <a:alpha val="60000"/>
+                    </a:prstClr>
+                  </a:glow>
+                </a:effectLst>
+                <a:latin typeface="VNI-Times" pitchFamily="2" charset="0"/>
+              </a:rPr>
+              <a:t>roäng</a:t>
+            </a:r>
+            <a:r>
+              <a:rPr lang="en-US" sz="6600" b="1" dirty="0">
+                <a:solidFill>
+                  <a:prstClr val="black"/>
+                </a:solidFill>
+                <a:effectLst>
+                  <a:glow rad="101600">
+                    <a:prstClr val="white">
+                      <a:alpha val="60000"/>
+                    </a:prstClr>
+                  </a:glow>
+                </a:effectLst>
+                <a:latin typeface="VNI-Times" pitchFamily="2" charset="0"/>
+              </a:rPr>
+              <a:t> </a:t>
+            </a:r>
+            <a:r>
+              <a:rPr lang="en-US" sz="6600" b="1" dirty="0" err="1">
+                <a:solidFill>
+                  <a:prstClr val="black"/>
+                </a:solidFill>
+                <a:effectLst>
+                  <a:glow rad="101600">
+                    <a:prstClr val="white">
+                      <a:alpha val="60000"/>
+                    </a:prstClr>
+                  </a:glow>
+                </a:effectLst>
+                <a:latin typeface="VNI-Times" pitchFamily="2" charset="0"/>
+              </a:rPr>
+              <a:t>thay</a:t>
+            </a:r>
+            <a:r>
+              <a:rPr lang="en-US" sz="6600" b="1" dirty="0">
+                <a:solidFill>
+                  <a:prstClr val="black"/>
+                </a:solidFill>
+                <a:effectLst>
+                  <a:glow rad="101600">
+                    <a:prstClr val="white">
+                      <a:alpha val="60000"/>
+                    </a:prstClr>
+                  </a:glow>
+                </a:effectLst>
+                <a:latin typeface="VNI-Times" pitchFamily="2" charset="0"/>
+              </a:rPr>
+              <a:t> </a:t>
+            </a:r>
+            <a:r>
+              <a:rPr lang="en-US" sz="6600" b="1" dirty="0" err="1">
+                <a:solidFill>
+                  <a:prstClr val="black"/>
+                </a:solidFill>
+                <a:effectLst>
+                  <a:glow rad="101600">
+                    <a:prstClr val="white">
+                      <a:alpha val="60000"/>
+                    </a:prstClr>
+                  </a:glow>
+                </a:effectLst>
+                <a:latin typeface="VNI-Times" pitchFamily="2" charset="0"/>
+              </a:rPr>
+              <a:t>tình</a:t>
+            </a:r>
+            <a:r>
+              <a:rPr lang="en-US" sz="6600" b="1" dirty="0">
+                <a:solidFill>
+                  <a:prstClr val="black"/>
+                </a:solidFill>
+                <a:effectLst>
+                  <a:glow rad="101600">
+                    <a:prstClr val="white">
+                      <a:alpha val="60000"/>
+                    </a:prstClr>
+                  </a:glow>
+                </a:effectLst>
+                <a:latin typeface="VNI-Times" pitchFamily="2" charset="0"/>
+              </a:rPr>
+              <a:t> </a:t>
+            </a:r>
+            <a:r>
+              <a:rPr lang="en-US" sz="6600" b="1" dirty="0" err="1">
+                <a:solidFill>
+                  <a:prstClr val="black"/>
+                </a:solidFill>
+                <a:effectLst>
+                  <a:glow rad="101600">
+                    <a:prstClr val="white">
+                      <a:alpha val="60000"/>
+                    </a:prstClr>
+                  </a:glow>
+                </a:effectLst>
+                <a:latin typeface="VNI-Times" pitchFamily="2" charset="0"/>
+              </a:rPr>
+              <a:t>yeâu</a:t>
+            </a:r>
+            <a:r>
+              <a:rPr lang="en-US" sz="6600" b="1" dirty="0">
+                <a:solidFill>
+                  <a:prstClr val="black"/>
+                </a:solidFill>
+                <a:effectLst>
+                  <a:glow rad="101600">
+                    <a:prstClr val="white">
+                      <a:alpha val="60000"/>
+                    </a:prstClr>
+                  </a:glow>
+                </a:effectLst>
+                <a:latin typeface="VNI-Times" pitchFamily="2" charset="0"/>
+              </a:rPr>
+              <a:t>,</a:t>
+            </a:r>
           </a:p>
           <a:p>
             <a:pPr algn="ctr"/>
             <a:r>
-              <a:rPr lang="en-US" sz="6600" b="1">
-                <a:solidFill>
-                  <a:prstClr val="black"/>
-                </a:solidFill>
-                <a:effectLst>
-                  <a:glow rad="101600">
-                    <a:prstClr val="white">
-                      <a:alpha val="60000"/>
-                    </a:prstClr>
-                  </a:glow>
-                </a:effectLst>
-                <a:latin typeface="VNI-Aptima" pitchFamily="2" charset="0"/>
-              </a:rPr>
-              <a:t>Chuùa ban cho </a:t>
-            </a:r>
-            <a:r>
-              <a:rPr lang="en-US" sz="6600" b="1" smtClean="0">
-                <a:solidFill>
-                  <a:prstClr val="black"/>
-                </a:solidFill>
-                <a:effectLst>
-                  <a:glow rad="101600">
-                    <a:prstClr val="white">
-                      <a:alpha val="60000"/>
-                    </a:prstClr>
-                  </a:glow>
-                </a:effectLst>
-                <a:latin typeface="VNI-Aptima" pitchFamily="2" charset="0"/>
-              </a:rPr>
-              <a:t/>
+              <a:rPr lang="en-US" sz="6600" b="1" dirty="0" err="1">
+                <a:solidFill>
+                  <a:prstClr val="black"/>
+                </a:solidFill>
+                <a:effectLst>
+                  <a:glow rad="101600">
+                    <a:prstClr val="white">
+                      <a:alpha val="60000"/>
+                    </a:prstClr>
+                  </a:glow>
+                </a:effectLst>
+                <a:latin typeface="VNI-Times" pitchFamily="2" charset="0"/>
+              </a:rPr>
+              <a:t>Chuùa</a:t>
+            </a:r>
+            <a:r>
+              <a:rPr lang="en-US" sz="6600" b="1" dirty="0">
+                <a:solidFill>
+                  <a:prstClr val="black"/>
+                </a:solidFill>
+                <a:effectLst>
+                  <a:glow rad="101600">
+                    <a:prstClr val="white">
+                      <a:alpha val="60000"/>
+                    </a:prstClr>
+                  </a:glow>
+                </a:effectLst>
+                <a:latin typeface="VNI-Times" pitchFamily="2" charset="0"/>
+              </a:rPr>
+              <a:t> ban </a:t>
+            </a:r>
+            <a:r>
+              <a:rPr lang="en-US" sz="6600" b="1" dirty="0" err="1">
+                <a:solidFill>
+                  <a:prstClr val="black"/>
+                </a:solidFill>
+                <a:effectLst>
+                  <a:glow rad="101600">
+                    <a:prstClr val="white">
+                      <a:alpha val="60000"/>
+                    </a:prstClr>
+                  </a:glow>
+                </a:effectLst>
+                <a:latin typeface="VNI-Times" pitchFamily="2" charset="0"/>
+              </a:rPr>
+              <a:t>cho</a:t>
+            </a:r>
+            <a:r>
+              <a:rPr lang="en-US" sz="6600" b="1" dirty="0">
+                <a:solidFill>
+                  <a:prstClr val="black"/>
+                </a:solidFill>
+                <a:effectLst>
+                  <a:glow rad="101600">
+                    <a:prstClr val="white">
+                      <a:alpha val="60000"/>
+                    </a:prstClr>
+                  </a:glow>
+                </a:effectLst>
+                <a:latin typeface="VNI-Times" pitchFamily="2" charset="0"/>
+              </a:rPr>
+              <a:t> </a:t>
             </a:r>
             <a:br>
-              <a:rPr lang="en-US" sz="6600" b="1" smtClean="0">
-                <a:solidFill>
-                  <a:prstClr val="black"/>
-                </a:solidFill>
-                <a:effectLst>
-                  <a:glow rad="101600">
-                    <a:prstClr val="white">
-                      <a:alpha val="60000"/>
-                    </a:prstClr>
-                  </a:glow>
-                </a:effectLst>
-                <a:latin typeface="VNI-Aptima" pitchFamily="2" charset="0"/>
+              <a:rPr lang="en-US" sz="6600" b="1" dirty="0">
+                <a:solidFill>
+                  <a:prstClr val="black"/>
+                </a:solidFill>
+                <a:effectLst>
+                  <a:glow rad="101600">
+                    <a:prstClr val="white">
+                      <a:alpha val="60000"/>
+                    </a:prstClr>
+                  </a:glow>
+                </a:effectLst>
+                <a:latin typeface="VNI-Times" pitchFamily="2" charset="0"/>
               </a:rPr>
             </a:br>
             <a:r>
-              <a:rPr lang="en-US" sz="6600" b="1" smtClean="0">
-                <a:solidFill>
-                  <a:prstClr val="black"/>
-                </a:solidFill>
-                <a:effectLst>
-                  <a:glow rad="101600">
-                    <a:prstClr val="white">
-                      <a:alpha val="60000"/>
-                    </a:prstClr>
-                  </a:glow>
-                </a:effectLst>
-                <a:latin typeface="VNI-Aptima" pitchFamily="2" charset="0"/>
-              </a:rPr>
-              <a:t>dö daät luoân.</a:t>
-            </a:r>
-            <a:endParaRPr lang="en-US" sz="6600" b="1">
-              <a:solidFill>
-                <a:prstClr val="black"/>
-              </a:solidFill>
-              <a:effectLst>
-                <a:glow rad="101600">
-                  <a:prstClr val="white">
-                    <a:alpha val="60000"/>
-                  </a:prstClr>
-                </a:glow>
-              </a:effectLst>
-              <a:latin typeface="VNI-Aptima" pitchFamily="2" charset="0"/>
-            </a:endParaRPr>
-          </a:p>
-        </p:txBody>
-      </p:sp>
-      <p:sp>
-        <p:nvSpPr>
-          <p:cNvPr id="4" name="Title 1"/>
-          <p:cNvSpPr txBox="1">
-            <a:spLocks/>
-          </p:cNvSpPr>
-          <p:nvPr/>
-        </p:nvSpPr>
-        <p:spPr>
-          <a:xfrm>
-            <a:off x="-228600" y="6019800"/>
-            <a:ext cx="6553200" cy="685800"/>
-          </a:xfrm>
-          <a:prstGeom prst="rect">
-            <a:avLst/>
-          </a:prstGeom>
-        </p:spPr>
-        <p:txBody>
-          <a:bodyPr vert="horz" lIns="91440" tIns="45720" rIns="91440" bIns="45720" rtlCol="0" anchor="ctr">
-            <a:noAutofit/>
-          </a:bodyPr>
-          <a:lstStyle/>
-          <a:p>
-            <a:pPr algn="ctr">
-              <a:spcBef>
-                <a:spcPct val="0"/>
-              </a:spcBef>
-              <a:defRPr/>
-            </a:pPr>
-            <a:r>
-              <a:rPr lang="en-US" sz="3500" b="1" smtClean="0">
-                <a:solidFill>
-                  <a:srgbClr val="C00000"/>
-                </a:solidFill>
-                <a:effectLst>
-                  <a:glow rad="101600">
-                    <a:prstClr val="white">
-                      <a:alpha val="60000"/>
-                    </a:prstClr>
-                  </a:glow>
-                </a:effectLst>
-                <a:latin typeface="VNI-Peignot" pitchFamily="2" charset="0"/>
-              </a:rPr>
-              <a:t>TC </a:t>
-            </a:r>
-            <a:r>
-              <a:rPr lang="en-US" sz="3500" b="1">
-                <a:solidFill>
-                  <a:srgbClr val="C00000"/>
-                </a:solidFill>
-                <a:effectLst>
-                  <a:glow rad="101600">
-                    <a:prstClr val="white">
-                      <a:alpha val="60000"/>
-                    </a:prstClr>
-                  </a:glow>
-                </a:effectLst>
-                <a:latin typeface="VNI-Peignot" pitchFamily="2" charset="0"/>
-              </a:rPr>
-              <a:t>512 - TÌNH YEÂU BEÀN VÖÕNG</a:t>
+              <a:rPr lang="en-US" sz="6600" b="1" dirty="0" err="1">
+                <a:solidFill>
+                  <a:prstClr val="black"/>
+                </a:solidFill>
+                <a:effectLst>
+                  <a:glow rad="101600">
+                    <a:prstClr val="white">
+                      <a:alpha val="60000"/>
+                    </a:prstClr>
+                  </a:glow>
+                </a:effectLst>
+                <a:latin typeface="VNI-Times" pitchFamily="2" charset="0"/>
+              </a:rPr>
+              <a:t>dö</a:t>
+            </a:r>
+            <a:r>
+              <a:rPr lang="en-US" sz="6600" b="1" dirty="0">
+                <a:solidFill>
+                  <a:prstClr val="black"/>
+                </a:solidFill>
+                <a:effectLst>
+                  <a:glow rad="101600">
+                    <a:prstClr val="white">
+                      <a:alpha val="60000"/>
+                    </a:prstClr>
+                  </a:glow>
+                </a:effectLst>
+                <a:latin typeface="VNI-Times" pitchFamily="2" charset="0"/>
+              </a:rPr>
+              <a:t> </a:t>
+            </a:r>
+            <a:r>
+              <a:rPr lang="en-US" sz="6600" b="1" dirty="0" err="1">
+                <a:solidFill>
+                  <a:prstClr val="black"/>
+                </a:solidFill>
+                <a:effectLst>
+                  <a:glow rad="101600">
+                    <a:prstClr val="white">
+                      <a:alpha val="60000"/>
+                    </a:prstClr>
+                  </a:glow>
+                </a:effectLst>
+                <a:latin typeface="VNI-Times" pitchFamily="2" charset="0"/>
+              </a:rPr>
+              <a:t>daät</a:t>
+            </a:r>
+            <a:r>
+              <a:rPr lang="en-US" sz="6600" b="1" dirty="0">
+                <a:solidFill>
+                  <a:prstClr val="black"/>
+                </a:solidFill>
+                <a:effectLst>
+                  <a:glow rad="101600">
+                    <a:prstClr val="white">
+                      <a:alpha val="60000"/>
+                    </a:prstClr>
+                  </a:glow>
+                </a:effectLst>
+                <a:latin typeface="VNI-Times" pitchFamily="2" charset="0"/>
+              </a:rPr>
+              <a:t> </a:t>
+            </a:r>
+            <a:r>
+              <a:rPr lang="en-US" sz="6600" b="1" dirty="0" err="1">
+                <a:solidFill>
+                  <a:prstClr val="black"/>
+                </a:solidFill>
+                <a:effectLst>
+                  <a:glow rad="101600">
+                    <a:prstClr val="white">
+                      <a:alpha val="60000"/>
+                    </a:prstClr>
+                  </a:glow>
+                </a:effectLst>
+                <a:latin typeface="VNI-Times" pitchFamily="2" charset="0"/>
+              </a:rPr>
+              <a:t>luoân</a:t>
+            </a:r>
+            <a:r>
+              <a:rPr lang="en-US" sz="6600" b="1" dirty="0">
+                <a:solidFill>
+                  <a:prstClr val="black"/>
+                </a:solidFill>
+                <a:effectLst>
+                  <a:glow rad="101600">
+                    <a:prstClr val="white">
+                      <a:alpha val="60000"/>
+                    </a:prstClr>
+                  </a:glow>
+                </a:effectLst>
+                <a:latin typeface="VNI-Times" pitchFamily="2" charset="0"/>
+              </a:rPr>
+              <a:t>.</a:t>
             </a:r>
           </a:p>
         </p:txBody>
@@ -3946,21 +4511,6 @@
   <p:clrMapOvr>
     <a:masterClrMapping/>
   </p:clrMapOvr>
-  <mc:AlternateContent xmlns:mc="http://schemas.openxmlformats.org/markup-compatibility/2006" xmlns:p14="http://schemas.microsoft.com/office/powerpoint/2010/main">
-    <mc:Choice Requires="p14">
-      <p:transition p14:dur="0"/>
-    </mc:Choice>
-    <mc:Fallback xmlns="">
-      <p:transition/>
-    </mc:Fallback>
-  </mc:AlternateContent>
-  <p:timing>
-    <p:tnLst>
-      <p:par>
-        <p:cTn id="1" dur="indefinite" restart="never" nodeType="tmRoot"/>
-      </p:par>
-    </p:tnLst>
-  </p:timing>
 </p:sld>
 </file>
 
